--- a/Documentation/final demo.pptx
+++ b/Documentation/final demo.pptx
@@ -15,7 +15,8 @@
     <p:sldId id="279" r:id="rId9"/>
     <p:sldId id="280" r:id="rId10"/>
     <p:sldId id="278" r:id="rId11"/>
-    <p:sldId id="266" r:id="rId12"/>
+    <p:sldId id="281" r:id="rId12"/>
+    <p:sldId id="266" r:id="rId13"/>
   </p:sldIdLst>
   <p:sldSz cx="12192000" cy="6858000"/>
   <p:notesSz cx="6858000" cy="9144000"/>
@@ -122,6 +123,1598 @@
 </p:presentation>
 </file>
 
+<file path=ppt/charts/chart1.xml><?xml version="1.0" encoding="utf-8"?>
+<c:chartSpace xmlns:c="http://schemas.openxmlformats.org/drawingml/2006/chart" xmlns:a="http://schemas.openxmlformats.org/drawingml/2006/main" xmlns:r="http://schemas.openxmlformats.org/officeDocument/2006/relationships" xmlns:c16r2="http://schemas.microsoft.com/office/drawing/2015/06/chart">
+  <c:date1904 val="0"/>
+  <c:lang val="en-US"/>
+  <c:roundedCorners val="0"/>
+  <mc:AlternateContent xmlns:mc="http://schemas.openxmlformats.org/markup-compatibility/2006">
+    <mc:Choice xmlns:c14="http://schemas.microsoft.com/office/drawing/2007/8/2/chart" Requires="c14">
+      <c14:style val="102"/>
+    </mc:Choice>
+    <mc:Fallback>
+      <c:style val="2"/>
+    </mc:Fallback>
+  </mc:AlternateContent>
+  <c:clrMapOvr bg1="lt1" tx1="dk1" bg2="lt2" tx2="dk2" accent1="accent1" accent2="accent2" accent3="accent3" accent4="accent4" accent5="accent5" accent6="accent6" hlink="hlink" folHlink="folHlink"/>
+  <c:chart>
+    <c:title>
+      <c:tx>
+        <c:rich>
+          <a:bodyPr rot="0" spcFirstLastPara="1" vertOverflow="ellipsis" vert="horz" wrap="square" anchor="ctr" anchorCtr="1"/>
+          <a:lstStyle/>
+          <a:p>
+            <a:pPr>
+              <a:defRPr sz="1400" b="0" i="0" u="none" strike="noStrike" kern="1200" spc="0" baseline="0">
+                <a:solidFill>
+                  <a:schemeClr val="bg1"/>
+                </a:solidFill>
+                <a:latin typeface="+mn-lt"/>
+                <a:ea typeface="+mn-ea"/>
+                <a:cs typeface="+mn-cs"/>
+              </a:defRPr>
+            </a:pPr>
+            <a:r>
+              <a:rPr lang="en-US" sz="1400" b="1" i="0" baseline="0">
+                <a:effectLst/>
+              </a:rPr>
+              <a:t>Results of </a:t>
+            </a:r>
+            <a:endParaRPr lang="en-US" sz="1400">
+              <a:effectLst/>
+            </a:endParaRPr>
+          </a:p>
+          <a:p>
+            <a:pPr>
+              <a:defRPr sz="1400">
+                <a:solidFill>
+                  <a:schemeClr val="bg1"/>
+                </a:solidFill>
+              </a:defRPr>
+            </a:pPr>
+            <a:r>
+              <a:rPr lang="en-US" sz="1400" b="1" i="0" baseline="0">
+                <a:effectLst/>
+              </a:rPr>
+              <a:t>Experimental Analysis for Un-Weighted Graph</a:t>
+            </a:r>
+            <a:endParaRPr lang="en-US" sz="1400">
+              <a:effectLst/>
+            </a:endParaRPr>
+          </a:p>
+        </c:rich>
+      </c:tx>
+      <c:layout/>
+      <c:overlay val="0"/>
+      <c:spPr>
+        <a:solidFill>
+          <a:schemeClr val="tx1"/>
+        </a:solidFill>
+        <a:ln>
+          <a:noFill/>
+        </a:ln>
+        <a:effectLst/>
+      </c:spPr>
+      <c:txPr>
+        <a:bodyPr rot="0" spcFirstLastPara="1" vertOverflow="ellipsis" vert="horz" wrap="square" anchor="ctr" anchorCtr="1"/>
+        <a:lstStyle/>
+        <a:p>
+          <a:pPr>
+            <a:defRPr sz="1400" b="0" i="0" u="none" strike="noStrike" kern="1200" spc="0" baseline="0">
+              <a:solidFill>
+                <a:schemeClr val="bg1"/>
+              </a:solidFill>
+              <a:latin typeface="+mn-lt"/>
+              <a:ea typeface="+mn-ea"/>
+              <a:cs typeface="+mn-cs"/>
+            </a:defRPr>
+          </a:pPr>
+          <a:endParaRPr lang="en-US"/>
+        </a:p>
+      </c:txPr>
+    </c:title>
+    <c:autoTitleDeleted val="0"/>
+    <c:plotArea>
+      <c:layout/>
+      <c:scatterChart>
+        <c:scatterStyle val="lineMarker"/>
+        <c:varyColors val="0"/>
+        <c:ser>
+          <c:idx val="0"/>
+          <c:order val="0"/>
+          <c:spPr>
+            <a:ln w="19050" cap="rnd">
+              <a:solidFill>
+                <a:schemeClr val="accent1"/>
+              </a:solidFill>
+              <a:round/>
+            </a:ln>
+            <a:effectLst/>
+          </c:spPr>
+          <c:marker>
+            <c:symbol val="circle"/>
+            <c:size val="5"/>
+            <c:spPr>
+              <a:solidFill>
+                <a:schemeClr val="accent1"/>
+              </a:solidFill>
+              <a:ln w="9525">
+                <a:solidFill>
+                  <a:schemeClr val="accent1"/>
+                </a:solidFill>
+              </a:ln>
+              <a:effectLst/>
+            </c:spPr>
+          </c:marker>
+          <c:xVal>
+            <c:numRef>
+              <c:f>Sheet1!$I$32:$I$55</c:f>
+              <c:numCache>
+                <c:formatCode>General</c:formatCode>
+                <c:ptCount val="24"/>
+                <c:pt idx="0">
+                  <c:v>8</c:v>
+                </c:pt>
+                <c:pt idx="1">
+                  <c:v>10</c:v>
+                </c:pt>
+                <c:pt idx="2">
+                  <c:v>13</c:v>
+                </c:pt>
+                <c:pt idx="3">
+                  <c:v>16</c:v>
+                </c:pt>
+                <c:pt idx="4">
+                  <c:v>24</c:v>
+                </c:pt>
+                <c:pt idx="5">
+                  <c:v>28</c:v>
+                </c:pt>
+                <c:pt idx="6">
+                  <c:v>26</c:v>
+                </c:pt>
+                <c:pt idx="7">
+                  <c:v>35</c:v>
+                </c:pt>
+                <c:pt idx="8">
+                  <c:v>39</c:v>
+                </c:pt>
+                <c:pt idx="9">
+                  <c:v>34</c:v>
+                </c:pt>
+                <c:pt idx="10">
+                  <c:v>44</c:v>
+                </c:pt>
+                <c:pt idx="11">
+                  <c:v>45</c:v>
+                </c:pt>
+                <c:pt idx="12">
+                  <c:v>53</c:v>
+                </c:pt>
+                <c:pt idx="13">
+                  <c:v>52</c:v>
+                </c:pt>
+                <c:pt idx="14">
+                  <c:v>53</c:v>
+                </c:pt>
+                <c:pt idx="15">
+                  <c:v>70</c:v>
+                </c:pt>
+                <c:pt idx="16">
+                  <c:v>80</c:v>
+                </c:pt>
+                <c:pt idx="17">
+                  <c:v>84</c:v>
+                </c:pt>
+                <c:pt idx="18">
+                  <c:v>87</c:v>
+                </c:pt>
+                <c:pt idx="19">
+                  <c:v>93</c:v>
+                </c:pt>
+                <c:pt idx="20">
+                  <c:v>95</c:v>
+                </c:pt>
+                <c:pt idx="21">
+                  <c:v>96</c:v>
+                </c:pt>
+                <c:pt idx="22">
+                  <c:v>100</c:v>
+                </c:pt>
+                <c:pt idx="23">
+                  <c:v>126</c:v>
+                </c:pt>
+              </c:numCache>
+            </c:numRef>
+          </c:xVal>
+          <c:yVal>
+            <c:numRef>
+              <c:f>Sheet1!$J$32:$J$55</c:f>
+              <c:numCache>
+                <c:formatCode>General</c:formatCode>
+                <c:ptCount val="24"/>
+              </c:numCache>
+            </c:numRef>
+          </c:yVal>
+          <c:smooth val="0"/>
+          <c:extLst>
+            <c:ext xmlns:c16="http://schemas.microsoft.com/office/drawing/2014/chart" uri="{C3380CC4-5D6E-409C-BE32-E72D297353CC}">
+              <c16:uniqueId val="{00000000-C87C-4486-9C20-1A3C73DBE5FE}"/>
+            </c:ext>
+          </c:extLst>
+        </c:ser>
+        <c:ser>
+          <c:idx val="1"/>
+          <c:order val="1"/>
+          <c:spPr>
+            <a:ln w="19050" cap="rnd">
+              <a:solidFill>
+                <a:schemeClr val="tx1"/>
+              </a:solidFill>
+              <a:round/>
+            </a:ln>
+            <a:effectLst/>
+          </c:spPr>
+          <c:marker>
+            <c:symbol val="circle"/>
+            <c:size val="5"/>
+            <c:spPr>
+              <a:solidFill>
+                <a:schemeClr val="tx1"/>
+              </a:solidFill>
+              <a:ln w="9525">
+                <a:solidFill>
+                  <a:schemeClr val="tx1"/>
+                </a:solidFill>
+              </a:ln>
+              <a:effectLst/>
+            </c:spPr>
+          </c:marker>
+          <c:xVal>
+            <c:numRef>
+              <c:f>Sheet1!$I$32:$I$55</c:f>
+              <c:numCache>
+                <c:formatCode>General</c:formatCode>
+                <c:ptCount val="24"/>
+                <c:pt idx="0">
+                  <c:v>8</c:v>
+                </c:pt>
+                <c:pt idx="1">
+                  <c:v>10</c:v>
+                </c:pt>
+                <c:pt idx="2">
+                  <c:v>13</c:v>
+                </c:pt>
+                <c:pt idx="3">
+                  <c:v>16</c:v>
+                </c:pt>
+                <c:pt idx="4">
+                  <c:v>24</c:v>
+                </c:pt>
+                <c:pt idx="5">
+                  <c:v>28</c:v>
+                </c:pt>
+                <c:pt idx="6">
+                  <c:v>26</c:v>
+                </c:pt>
+                <c:pt idx="7">
+                  <c:v>35</c:v>
+                </c:pt>
+                <c:pt idx="8">
+                  <c:v>39</c:v>
+                </c:pt>
+                <c:pt idx="9">
+                  <c:v>34</c:v>
+                </c:pt>
+                <c:pt idx="10">
+                  <c:v>44</c:v>
+                </c:pt>
+                <c:pt idx="11">
+                  <c:v>45</c:v>
+                </c:pt>
+                <c:pt idx="12">
+                  <c:v>53</c:v>
+                </c:pt>
+                <c:pt idx="13">
+                  <c:v>52</c:v>
+                </c:pt>
+                <c:pt idx="14">
+                  <c:v>53</c:v>
+                </c:pt>
+                <c:pt idx="15">
+                  <c:v>70</c:v>
+                </c:pt>
+                <c:pt idx="16">
+                  <c:v>80</c:v>
+                </c:pt>
+                <c:pt idx="17">
+                  <c:v>84</c:v>
+                </c:pt>
+                <c:pt idx="18">
+                  <c:v>87</c:v>
+                </c:pt>
+                <c:pt idx="19">
+                  <c:v>93</c:v>
+                </c:pt>
+                <c:pt idx="20">
+                  <c:v>95</c:v>
+                </c:pt>
+                <c:pt idx="21">
+                  <c:v>96</c:v>
+                </c:pt>
+                <c:pt idx="22">
+                  <c:v>100</c:v>
+                </c:pt>
+                <c:pt idx="23">
+                  <c:v>126</c:v>
+                </c:pt>
+              </c:numCache>
+            </c:numRef>
+          </c:xVal>
+          <c:yVal>
+            <c:numRef>
+              <c:f>Sheet1!$L$32:$L$55</c:f>
+              <c:numCache>
+                <c:formatCode>General</c:formatCode>
+                <c:ptCount val="24"/>
+                <c:pt idx="0">
+                  <c:v>31.340899999999998</c:v>
+                </c:pt>
+                <c:pt idx="1">
+                  <c:v>48.044799999999995</c:v>
+                </c:pt>
+                <c:pt idx="2">
+                  <c:v>32.159399999999998</c:v>
+                </c:pt>
+                <c:pt idx="3">
+                  <c:v>22.832199999999798</c:v>
+                </c:pt>
+                <c:pt idx="4">
+                  <c:v>23.486200000000601</c:v>
+                </c:pt>
+                <c:pt idx="5">
+                  <c:v>41.764499999999302</c:v>
+                </c:pt>
+                <c:pt idx="6">
+                  <c:v>45.4713000000026</c:v>
+                </c:pt>
+                <c:pt idx="7">
+                  <c:v>30.372099999997399</c:v>
+                </c:pt>
+                <c:pt idx="8">
+                  <c:v>47.075599999999397</c:v>
+                </c:pt>
+                <c:pt idx="9">
+                  <c:v>41.056499999996198</c:v>
+                </c:pt>
+                <c:pt idx="10">
+                  <c:v>30.8209999999888</c:v>
+                </c:pt>
+                <c:pt idx="11">
+                  <c:v>27.746800000016901</c:v>
+                </c:pt>
+                <c:pt idx="12">
+                  <c:v>78.041099999978698</c:v>
+                </c:pt>
+                <c:pt idx="13">
+                  <c:v>18.221399999958901</c:v>
+                </c:pt>
+                <c:pt idx="14">
+                  <c:v>18.453999999905999</c:v>
+                </c:pt>
+                <c:pt idx="15">
+                  <c:v>75.677100000007101</c:v>
+                </c:pt>
+                <c:pt idx="16">
+                  <c:v>75.787400000001796</c:v>
+                </c:pt>
+                <c:pt idx="17">
+                  <c:v>36.489899999999402</c:v>
+                </c:pt>
+                <c:pt idx="18">
+                  <c:v>56.093199999996202</c:v>
+                </c:pt>
+                <c:pt idx="19">
+                  <c:v>45.705200000000396</c:v>
+                </c:pt>
+                <c:pt idx="20">
+                  <c:v>62.424999999996302</c:v>
+                </c:pt>
+                <c:pt idx="21">
+                  <c:v>60.083300000002197</c:v>
+                </c:pt>
+                <c:pt idx="22">
+                  <c:v>35.759499999999406</c:v>
+                </c:pt>
+                <c:pt idx="23">
+                  <c:v>25.231200000007398</c:v>
+                </c:pt>
+              </c:numCache>
+            </c:numRef>
+          </c:yVal>
+          <c:smooth val="0"/>
+          <c:extLst>
+            <c:ext xmlns:c16="http://schemas.microsoft.com/office/drawing/2014/chart" uri="{C3380CC4-5D6E-409C-BE32-E72D297353CC}">
+              <c16:uniqueId val="{00000001-C87C-4486-9C20-1A3C73DBE5FE}"/>
+            </c:ext>
+          </c:extLst>
+        </c:ser>
+        <c:dLbls>
+          <c:showLegendKey val="0"/>
+          <c:showVal val="0"/>
+          <c:showCatName val="0"/>
+          <c:showSerName val="0"/>
+          <c:showPercent val="0"/>
+          <c:showBubbleSize val="0"/>
+        </c:dLbls>
+        <c:axId val="1407217744"/>
+        <c:axId val="1407225232"/>
+      </c:scatterChart>
+      <c:scatterChart>
+        <c:scatterStyle val="lineMarker"/>
+        <c:varyColors val="0"/>
+        <c:ser>
+          <c:idx val="2"/>
+          <c:order val="2"/>
+          <c:spPr>
+            <a:ln w="19050" cap="rnd">
+              <a:solidFill>
+                <a:srgbClr val="FF0000"/>
+              </a:solidFill>
+              <a:round/>
+            </a:ln>
+            <a:effectLst/>
+          </c:spPr>
+          <c:marker>
+            <c:symbol val="circle"/>
+            <c:size val="5"/>
+            <c:spPr>
+              <a:solidFill>
+                <a:srgbClr val="FF0000"/>
+              </a:solidFill>
+              <a:ln w="9525">
+                <a:solidFill>
+                  <a:srgbClr val="FF0000"/>
+                </a:solidFill>
+              </a:ln>
+              <a:effectLst/>
+            </c:spPr>
+          </c:marker>
+          <c:xVal>
+            <c:numRef>
+              <c:f>Sheet1!$I$32:$I$55</c:f>
+              <c:numCache>
+                <c:formatCode>General</c:formatCode>
+                <c:ptCount val="24"/>
+                <c:pt idx="0">
+                  <c:v>8</c:v>
+                </c:pt>
+                <c:pt idx="1">
+                  <c:v>10</c:v>
+                </c:pt>
+                <c:pt idx="2">
+                  <c:v>13</c:v>
+                </c:pt>
+                <c:pt idx="3">
+                  <c:v>16</c:v>
+                </c:pt>
+                <c:pt idx="4">
+                  <c:v>24</c:v>
+                </c:pt>
+                <c:pt idx="5">
+                  <c:v>28</c:v>
+                </c:pt>
+                <c:pt idx="6">
+                  <c:v>26</c:v>
+                </c:pt>
+                <c:pt idx="7">
+                  <c:v>35</c:v>
+                </c:pt>
+                <c:pt idx="8">
+                  <c:v>39</c:v>
+                </c:pt>
+                <c:pt idx="9">
+                  <c:v>34</c:v>
+                </c:pt>
+                <c:pt idx="10">
+                  <c:v>44</c:v>
+                </c:pt>
+                <c:pt idx="11">
+                  <c:v>45</c:v>
+                </c:pt>
+                <c:pt idx="12">
+                  <c:v>53</c:v>
+                </c:pt>
+                <c:pt idx="13">
+                  <c:v>52</c:v>
+                </c:pt>
+                <c:pt idx="14">
+                  <c:v>53</c:v>
+                </c:pt>
+                <c:pt idx="15">
+                  <c:v>70</c:v>
+                </c:pt>
+                <c:pt idx="16">
+                  <c:v>80</c:v>
+                </c:pt>
+                <c:pt idx="17">
+                  <c:v>84</c:v>
+                </c:pt>
+                <c:pt idx="18">
+                  <c:v>87</c:v>
+                </c:pt>
+                <c:pt idx="19">
+                  <c:v>93</c:v>
+                </c:pt>
+                <c:pt idx="20">
+                  <c:v>95</c:v>
+                </c:pt>
+                <c:pt idx="21">
+                  <c:v>96</c:v>
+                </c:pt>
+                <c:pt idx="22">
+                  <c:v>100</c:v>
+                </c:pt>
+                <c:pt idx="23">
+                  <c:v>126</c:v>
+                </c:pt>
+              </c:numCache>
+            </c:numRef>
+          </c:xVal>
+          <c:yVal>
+            <c:numRef>
+              <c:f>Sheet1!$N$32:$N$55</c:f>
+              <c:numCache>
+                <c:formatCode>General</c:formatCode>
+                <c:ptCount val="24"/>
+                <c:pt idx="0">
+                  <c:v>3.1907188370467986E-2</c:v>
+                </c:pt>
+                <c:pt idx="1">
+                  <c:v>2.0813907020114562E-2</c:v>
+                </c:pt>
+                <c:pt idx="2">
+                  <c:v>3.1095107495786613E-2</c:v>
+                </c:pt>
+                <c:pt idx="3">
+                  <c:v>4.3797794343077269E-2</c:v>
+                </c:pt>
+                <c:pt idx="4">
+                  <c:v>4.2578194854849843E-2</c:v>
+                </c:pt>
+                <c:pt idx="5">
+                  <c:v>2.394378000454972E-2</c:v>
+                </c:pt>
+                <c:pt idx="6">
+                  <c:v>2.1991893787948504E-2</c:v>
+                </c:pt>
+                <c:pt idx="7">
+                  <c:v>3.2924954152004166E-2</c:v>
+                </c:pt>
+                <c:pt idx="8">
+                  <c:v>2.1242427074748126E-2</c:v>
+                </c:pt>
+                <c:pt idx="9">
+                  <c:v>2.4356679210358716E-2</c:v>
+                </c:pt>
+                <c:pt idx="10">
+                  <c:v>3.2445410596682892E-2</c:v>
+                </c:pt>
+                <c:pt idx="11">
+                  <c:v>3.6040192022121144E-2</c:v>
+                </c:pt>
+                <c:pt idx="12">
+                  <c:v>1.2813760954167393E-2</c:v>
+                </c:pt>
+                <c:pt idx="13">
+                  <c:v>5.488052509698791E-2</c:v>
+                </c:pt>
+                <c:pt idx="14">
+                  <c:v>5.4188793757726984E-2</c:v>
+                </c:pt>
+                <c:pt idx="15">
+                  <c:v>1.3214037007230802E-2</c:v>
+                </c:pt>
+                <c:pt idx="16">
+                  <c:v>1.3194805468982659E-2</c:v>
+                </c:pt>
+                <c:pt idx="17">
+                  <c:v>2.7404843532046304E-2</c:v>
+                </c:pt>
+                <c:pt idx="18">
+                  <c:v>1.7827472848760059E-2</c:v>
+                </c:pt>
+                <c:pt idx="19">
+                  <c:v>2.1879348520518264E-2</c:v>
+                </c:pt>
+                <c:pt idx="20">
+                  <c:v>1.6019223067682168E-2</c:v>
+                </c:pt>
+                <c:pt idx="21">
+                  <c:v>1.6643559857730243E-2</c:v>
+                </c:pt>
+                <c:pt idx="22">
+                  <c:v>2.7964596820425805E-2</c:v>
+                </c:pt>
+                <c:pt idx="23">
+                  <c:v>3.9633469672457386E-2</c:v>
+                </c:pt>
+              </c:numCache>
+            </c:numRef>
+          </c:yVal>
+          <c:smooth val="0"/>
+          <c:extLst>
+            <c:ext xmlns:c16="http://schemas.microsoft.com/office/drawing/2014/chart" uri="{C3380CC4-5D6E-409C-BE32-E72D297353CC}">
+              <c16:uniqueId val="{00000002-C87C-4486-9C20-1A3C73DBE5FE}"/>
+            </c:ext>
+          </c:extLst>
+        </c:ser>
+        <c:dLbls>
+          <c:showLegendKey val="0"/>
+          <c:showVal val="0"/>
+          <c:showCatName val="0"/>
+          <c:showSerName val="0"/>
+          <c:showPercent val="0"/>
+          <c:showBubbleSize val="0"/>
+        </c:dLbls>
+        <c:axId val="1355336368"/>
+        <c:axId val="1355342608"/>
+      </c:scatterChart>
+      <c:valAx>
+        <c:axId val="1407217744"/>
+        <c:scaling>
+          <c:orientation val="minMax"/>
+        </c:scaling>
+        <c:delete val="0"/>
+        <c:axPos val="b"/>
+        <c:majorGridlines>
+          <c:spPr>
+            <a:ln w="9525" cap="flat" cmpd="sng" algn="ctr">
+              <a:solidFill>
+                <a:schemeClr val="tx1">
+                  <a:lumMod val="15000"/>
+                  <a:lumOff val="85000"/>
+                </a:schemeClr>
+              </a:solidFill>
+              <a:round/>
+            </a:ln>
+            <a:effectLst/>
+          </c:spPr>
+        </c:majorGridlines>
+        <c:title>
+          <c:tx>
+            <c:rich>
+              <a:bodyPr rot="0" spcFirstLastPara="1" vertOverflow="ellipsis" vert="horz" wrap="square" anchor="ctr" anchorCtr="1"/>
+              <a:lstStyle/>
+              <a:p>
+                <a:pPr>
+                  <a:defRPr sz="1400" b="1" i="0" u="none" strike="noStrike" kern="1200" baseline="0">
+                    <a:solidFill>
+                      <a:schemeClr val="tx1"/>
+                    </a:solidFill>
+                    <a:latin typeface="+mn-lt"/>
+                    <a:ea typeface="+mn-ea"/>
+                    <a:cs typeface="+mn-cs"/>
+                  </a:defRPr>
+                </a:pPr>
+                <a:r>
+                  <a:rPr lang="en-US" sz="1400" b="1">
+                    <a:solidFill>
+                      <a:schemeClr val="tx1"/>
+                    </a:solidFill>
+                  </a:rPr>
+                  <a:t>Input Size</a:t>
+                </a:r>
+              </a:p>
+            </c:rich>
+          </c:tx>
+          <c:layout>
+            <c:manualLayout>
+              <c:xMode val="edge"/>
+              <c:yMode val="edge"/>
+              <c:x val="0.43214326249860291"/>
+              <c:y val="0.90160509556001878"/>
+            </c:manualLayout>
+          </c:layout>
+          <c:overlay val="0"/>
+          <c:spPr>
+            <a:noFill/>
+            <a:ln>
+              <a:noFill/>
+            </a:ln>
+            <a:effectLst/>
+          </c:spPr>
+          <c:txPr>
+            <a:bodyPr rot="0" spcFirstLastPara="1" vertOverflow="ellipsis" vert="horz" wrap="square" anchor="ctr" anchorCtr="1"/>
+            <a:lstStyle/>
+            <a:p>
+              <a:pPr>
+                <a:defRPr sz="1400" b="1" i="0" u="none" strike="noStrike" kern="1200" baseline="0">
+                  <a:solidFill>
+                    <a:schemeClr val="tx1"/>
+                  </a:solidFill>
+                  <a:latin typeface="+mn-lt"/>
+                  <a:ea typeface="+mn-ea"/>
+                  <a:cs typeface="+mn-cs"/>
+                </a:defRPr>
+              </a:pPr>
+              <a:endParaRPr lang="en-US"/>
+            </a:p>
+          </c:txPr>
+        </c:title>
+        <c:numFmt formatCode="General" sourceLinked="1"/>
+        <c:majorTickMark val="none"/>
+        <c:minorTickMark val="none"/>
+        <c:tickLblPos val="nextTo"/>
+        <c:spPr>
+          <a:noFill/>
+          <a:ln w="9525" cap="flat" cmpd="sng" algn="ctr">
+            <a:solidFill>
+              <a:schemeClr val="tx1">
+                <a:lumMod val="25000"/>
+                <a:lumOff val="75000"/>
+              </a:schemeClr>
+            </a:solidFill>
+            <a:round/>
+          </a:ln>
+          <a:effectLst/>
+        </c:spPr>
+        <c:txPr>
+          <a:bodyPr rot="-60000000" spcFirstLastPara="1" vertOverflow="ellipsis" vert="horz" wrap="square" anchor="ctr" anchorCtr="1"/>
+          <a:lstStyle/>
+          <a:p>
+            <a:pPr>
+              <a:defRPr sz="1050" b="1" i="0" u="none" strike="noStrike" kern="1200" baseline="0">
+                <a:solidFill>
+                  <a:schemeClr val="tx1"/>
+                </a:solidFill>
+                <a:latin typeface="+mn-lt"/>
+                <a:ea typeface="+mn-ea"/>
+                <a:cs typeface="+mn-cs"/>
+              </a:defRPr>
+            </a:pPr>
+            <a:endParaRPr lang="en-US"/>
+          </a:p>
+        </c:txPr>
+        <c:crossAx val="1407225232"/>
+        <c:crosses val="autoZero"/>
+        <c:crossBetween val="midCat"/>
+      </c:valAx>
+      <c:valAx>
+        <c:axId val="1407225232"/>
+        <c:scaling>
+          <c:orientation val="minMax"/>
+          <c:max val="85"/>
+        </c:scaling>
+        <c:delete val="0"/>
+        <c:axPos val="l"/>
+        <c:majorGridlines>
+          <c:spPr>
+            <a:ln w="9525" cap="flat" cmpd="sng" algn="ctr">
+              <a:solidFill>
+                <a:schemeClr val="tx1">
+                  <a:lumMod val="15000"/>
+                  <a:lumOff val="85000"/>
+                </a:schemeClr>
+              </a:solidFill>
+              <a:round/>
+            </a:ln>
+            <a:effectLst/>
+          </c:spPr>
+        </c:majorGridlines>
+        <c:title>
+          <c:tx>
+            <c:rich>
+              <a:bodyPr rot="-5400000" spcFirstLastPara="1" vertOverflow="ellipsis" vert="horz" wrap="square" anchor="ctr" anchorCtr="1"/>
+              <a:lstStyle/>
+              <a:p>
+                <a:pPr>
+                  <a:defRPr sz="1400" b="1" i="0" u="none" strike="noStrike" kern="1200" baseline="0">
+                    <a:solidFill>
+                      <a:srgbClr val="FF0000"/>
+                    </a:solidFill>
+                    <a:latin typeface="+mn-lt"/>
+                    <a:ea typeface="+mn-ea"/>
+                    <a:cs typeface="+mn-cs"/>
+                  </a:defRPr>
+                </a:pPr>
+                <a:r>
+                  <a:rPr lang="en-US" sz="1400" b="1">
+                    <a:solidFill>
+                      <a:srgbClr val="FF0000"/>
+                    </a:solidFill>
+                  </a:rPr>
+                  <a:t>Runtime (ms)</a:t>
+                </a:r>
+              </a:p>
+            </c:rich>
+          </c:tx>
+          <c:layout>
+            <c:manualLayout>
+              <c:xMode val="edge"/>
+              <c:yMode val="edge"/>
+              <c:x val="1.9255945083517516E-2"/>
+              <c:y val="0.42411483351486007"/>
+            </c:manualLayout>
+          </c:layout>
+          <c:overlay val="0"/>
+          <c:spPr>
+            <a:noFill/>
+            <a:ln>
+              <a:noFill/>
+            </a:ln>
+            <a:effectLst/>
+          </c:spPr>
+          <c:txPr>
+            <a:bodyPr rot="-5400000" spcFirstLastPara="1" vertOverflow="ellipsis" vert="horz" wrap="square" anchor="ctr" anchorCtr="1"/>
+            <a:lstStyle/>
+            <a:p>
+              <a:pPr>
+                <a:defRPr sz="1400" b="1" i="0" u="none" strike="noStrike" kern="1200" baseline="0">
+                  <a:solidFill>
+                    <a:srgbClr val="FF0000"/>
+                  </a:solidFill>
+                  <a:latin typeface="+mn-lt"/>
+                  <a:ea typeface="+mn-ea"/>
+                  <a:cs typeface="+mn-cs"/>
+                </a:defRPr>
+              </a:pPr>
+              <a:endParaRPr lang="en-US"/>
+            </a:p>
+          </c:txPr>
+        </c:title>
+        <c:numFmt formatCode="General" sourceLinked="1"/>
+        <c:majorTickMark val="none"/>
+        <c:minorTickMark val="none"/>
+        <c:tickLblPos val="nextTo"/>
+        <c:spPr>
+          <a:noFill/>
+          <a:ln w="9525" cap="flat" cmpd="sng" algn="ctr">
+            <a:solidFill>
+              <a:schemeClr val="tx1">
+                <a:lumMod val="25000"/>
+                <a:lumOff val="75000"/>
+              </a:schemeClr>
+            </a:solidFill>
+            <a:round/>
+          </a:ln>
+          <a:effectLst/>
+        </c:spPr>
+        <c:txPr>
+          <a:bodyPr rot="-60000000" spcFirstLastPara="1" vertOverflow="ellipsis" vert="horz" wrap="square" anchor="ctr" anchorCtr="1"/>
+          <a:lstStyle/>
+          <a:p>
+            <a:pPr>
+              <a:defRPr sz="1050" b="1" i="0" u="none" strike="noStrike" kern="1200" baseline="0">
+                <a:solidFill>
+                  <a:schemeClr val="tx1"/>
+                </a:solidFill>
+                <a:latin typeface="+mn-lt"/>
+                <a:ea typeface="+mn-ea"/>
+                <a:cs typeface="+mn-cs"/>
+              </a:defRPr>
+            </a:pPr>
+            <a:endParaRPr lang="en-US"/>
+          </a:p>
+        </c:txPr>
+        <c:crossAx val="1407217744"/>
+        <c:crosses val="autoZero"/>
+        <c:crossBetween val="midCat"/>
+      </c:valAx>
+      <c:valAx>
+        <c:axId val="1355342608"/>
+        <c:scaling>
+          <c:orientation val="minMax"/>
+        </c:scaling>
+        <c:delete val="0"/>
+        <c:axPos val="r"/>
+        <c:title>
+          <c:tx>
+            <c:rich>
+              <a:bodyPr rot="-5400000" spcFirstLastPara="1" vertOverflow="ellipsis" vert="horz" wrap="square" anchor="ctr" anchorCtr="1"/>
+              <a:lstStyle/>
+              <a:p>
+                <a:pPr>
+                  <a:defRPr sz="1400" b="1" i="0" u="none" strike="noStrike" kern="1200" baseline="0">
+                    <a:solidFill>
+                      <a:schemeClr val="tx1"/>
+                    </a:solidFill>
+                    <a:latin typeface="+mn-lt"/>
+                    <a:ea typeface="+mn-ea"/>
+                    <a:cs typeface="+mn-cs"/>
+                  </a:defRPr>
+                </a:pPr>
+                <a:r>
+                  <a:rPr lang="en-US" sz="1400" b="1">
+                    <a:solidFill>
+                      <a:schemeClr val="tx1"/>
+                    </a:solidFill>
+                  </a:rPr>
+                  <a:t>Efficiency</a:t>
+                </a:r>
+              </a:p>
+            </c:rich>
+          </c:tx>
+          <c:layout>
+            <c:manualLayout>
+              <c:xMode val="edge"/>
+              <c:yMode val="edge"/>
+              <c:x val="0.93891728304463129"/>
+              <c:y val="0.433395165677678"/>
+            </c:manualLayout>
+          </c:layout>
+          <c:overlay val="0"/>
+          <c:spPr>
+            <a:noFill/>
+            <a:ln>
+              <a:noFill/>
+            </a:ln>
+            <a:effectLst/>
+          </c:spPr>
+          <c:txPr>
+            <a:bodyPr rot="-5400000" spcFirstLastPara="1" vertOverflow="ellipsis" vert="horz" wrap="square" anchor="ctr" anchorCtr="1"/>
+            <a:lstStyle/>
+            <a:p>
+              <a:pPr>
+                <a:defRPr sz="1400" b="1" i="0" u="none" strike="noStrike" kern="1200" baseline="0">
+                  <a:solidFill>
+                    <a:schemeClr val="tx1"/>
+                  </a:solidFill>
+                  <a:latin typeface="+mn-lt"/>
+                  <a:ea typeface="+mn-ea"/>
+                  <a:cs typeface="+mn-cs"/>
+                </a:defRPr>
+              </a:pPr>
+              <a:endParaRPr lang="en-US"/>
+            </a:p>
+          </c:txPr>
+        </c:title>
+        <c:numFmt formatCode="General" sourceLinked="1"/>
+        <c:majorTickMark val="out"/>
+        <c:minorTickMark val="none"/>
+        <c:tickLblPos val="nextTo"/>
+        <c:spPr>
+          <a:noFill/>
+          <a:ln w="9525" cap="flat" cmpd="sng" algn="ctr">
+            <a:solidFill>
+              <a:schemeClr val="tx1">
+                <a:lumMod val="25000"/>
+                <a:lumOff val="75000"/>
+              </a:schemeClr>
+            </a:solidFill>
+            <a:round/>
+          </a:ln>
+          <a:effectLst/>
+        </c:spPr>
+        <c:txPr>
+          <a:bodyPr rot="-60000000" spcFirstLastPara="1" vertOverflow="ellipsis" vert="horz" wrap="square" anchor="ctr" anchorCtr="1"/>
+          <a:lstStyle/>
+          <a:p>
+            <a:pPr>
+              <a:defRPr sz="1050" b="1" i="0" u="none" strike="noStrike" kern="1200" baseline="0">
+                <a:solidFill>
+                  <a:schemeClr val="tx1"/>
+                </a:solidFill>
+                <a:latin typeface="+mn-lt"/>
+                <a:ea typeface="+mn-ea"/>
+                <a:cs typeface="+mn-cs"/>
+              </a:defRPr>
+            </a:pPr>
+            <a:endParaRPr lang="en-US"/>
+          </a:p>
+        </c:txPr>
+        <c:crossAx val="1355336368"/>
+        <c:crosses val="max"/>
+        <c:crossBetween val="midCat"/>
+      </c:valAx>
+      <c:valAx>
+        <c:axId val="1355336368"/>
+        <c:scaling>
+          <c:orientation val="minMax"/>
+        </c:scaling>
+        <c:delete val="1"/>
+        <c:axPos val="b"/>
+        <c:numFmt formatCode="General" sourceLinked="1"/>
+        <c:majorTickMark val="out"/>
+        <c:minorTickMark val="none"/>
+        <c:tickLblPos val="nextTo"/>
+        <c:crossAx val="1355342608"/>
+        <c:crosses val="autoZero"/>
+        <c:crossBetween val="midCat"/>
+      </c:valAx>
+      <c:spPr>
+        <a:noFill/>
+        <a:ln>
+          <a:noFill/>
+        </a:ln>
+        <a:effectLst/>
+      </c:spPr>
+    </c:plotArea>
+    <c:plotVisOnly val="1"/>
+    <c:dispBlanksAs val="gap"/>
+    <c:showDLblsOverMax val="0"/>
+  </c:chart>
+  <c:spPr>
+    <a:solidFill>
+      <a:sysClr val="window" lastClr="FFFFFF"/>
+    </a:solidFill>
+    <a:ln>
+      <a:noFill/>
+    </a:ln>
+    <a:effectLst/>
+  </c:spPr>
+  <c:txPr>
+    <a:bodyPr/>
+    <a:lstStyle/>
+    <a:p>
+      <a:pPr>
+        <a:defRPr/>
+      </a:pPr>
+      <a:endParaRPr lang="en-US"/>
+    </a:p>
+  </c:txPr>
+  <c:externalData r:id="rId4">
+    <c:autoUpdate val="0"/>
+  </c:externalData>
+</c:chartSpace>
+</file>
+
+<file path=ppt/charts/colors1.xml><?xml version="1.0" encoding="utf-8"?>
+<cs:colorStyle xmlns:cs="http://schemas.microsoft.com/office/drawing/2012/chartStyle" xmlns:a="http://schemas.openxmlformats.org/drawingml/2006/main" meth="cycle" id="10">
+  <a:schemeClr val="accent1"/>
+  <a:schemeClr val="accent2"/>
+  <a:schemeClr val="accent3"/>
+  <a:schemeClr val="accent4"/>
+  <a:schemeClr val="accent5"/>
+  <a:schemeClr val="accent6"/>
+  <cs:variation/>
+  <cs:variation>
+    <a:lumMod val="60000"/>
+  </cs:variation>
+  <cs:variation>
+    <a:lumMod val="80000"/>
+    <a:lumOff val="20000"/>
+  </cs:variation>
+  <cs:variation>
+    <a:lumMod val="80000"/>
+  </cs:variation>
+  <cs:variation>
+    <a:lumMod val="60000"/>
+    <a:lumOff val="40000"/>
+  </cs:variation>
+  <cs:variation>
+    <a:lumMod val="50000"/>
+  </cs:variation>
+  <cs:variation>
+    <a:lumMod val="70000"/>
+    <a:lumOff val="30000"/>
+  </cs:variation>
+  <cs:variation>
+    <a:lumMod val="70000"/>
+  </cs:variation>
+  <cs:variation>
+    <a:lumMod val="50000"/>
+    <a:lumOff val="50000"/>
+  </cs:variation>
+</cs:colorStyle>
+</file>
+
+<file path=ppt/charts/style1.xml><?xml version="1.0" encoding="utf-8"?>
+<cs:chartStyle xmlns:cs="http://schemas.microsoft.com/office/drawing/2012/chartStyle" xmlns:a="http://schemas.openxmlformats.org/drawingml/2006/main" id="240">
+  <cs:axisTitle>
+    <cs:lnRef idx="0"/>
+    <cs:fillRef idx="0"/>
+    <cs:effectRef idx="0"/>
+    <cs:fontRef idx="minor">
+      <a:schemeClr val="tx1">
+        <a:lumMod val="65000"/>
+        <a:lumOff val="35000"/>
+      </a:schemeClr>
+    </cs:fontRef>
+    <cs:defRPr sz="1000" kern="1200"/>
+  </cs:axisTitle>
+  <cs:categoryAxis>
+    <cs:lnRef idx="0"/>
+    <cs:fillRef idx="0"/>
+    <cs:effectRef idx="0"/>
+    <cs:fontRef idx="minor">
+      <a:schemeClr val="tx1">
+        <a:lumMod val="65000"/>
+        <a:lumOff val="35000"/>
+      </a:schemeClr>
+    </cs:fontRef>
+    <cs:spPr>
+      <a:ln w="9525" cap="flat" cmpd="sng" algn="ctr">
+        <a:solidFill>
+          <a:schemeClr val="tx1">
+            <a:lumMod val="25000"/>
+            <a:lumOff val="75000"/>
+          </a:schemeClr>
+        </a:solidFill>
+        <a:round/>
+      </a:ln>
+    </cs:spPr>
+    <cs:defRPr sz="900" kern="1200"/>
+  </cs:categoryAxis>
+  <cs:chartArea mods="allowNoFillOverride allowNoLineOverride">
+    <cs:lnRef idx="0"/>
+    <cs:fillRef idx="0"/>
+    <cs:effectRef idx="0"/>
+    <cs:fontRef idx="minor">
+      <a:schemeClr val="tx1"/>
+    </cs:fontRef>
+    <cs:spPr>
+      <a:solidFill>
+        <a:schemeClr val="bg1"/>
+      </a:solidFill>
+      <a:ln w="9525" cap="flat" cmpd="sng" algn="ctr">
+        <a:solidFill>
+          <a:schemeClr val="tx1">
+            <a:lumMod val="15000"/>
+            <a:lumOff val="85000"/>
+          </a:schemeClr>
+        </a:solidFill>
+        <a:round/>
+      </a:ln>
+    </cs:spPr>
+    <cs:defRPr sz="1000" kern="1200"/>
+  </cs:chartArea>
+  <cs:dataLabel>
+    <cs:lnRef idx="0"/>
+    <cs:fillRef idx="0"/>
+    <cs:effectRef idx="0"/>
+    <cs:fontRef idx="minor">
+      <a:schemeClr val="tx1">
+        <a:lumMod val="75000"/>
+        <a:lumOff val="25000"/>
+      </a:schemeClr>
+    </cs:fontRef>
+    <cs:defRPr sz="900" kern="1200"/>
+  </cs:dataLabel>
+  <cs:dataLabelCallout>
+    <cs:lnRef idx="0"/>
+    <cs:fillRef idx="0"/>
+    <cs:effectRef idx="0"/>
+    <cs:fontRef idx="minor">
+      <a:schemeClr val="dk1">
+        <a:lumMod val="65000"/>
+        <a:lumOff val="35000"/>
+      </a:schemeClr>
+    </cs:fontRef>
+    <cs:spPr>
+      <a:solidFill>
+        <a:schemeClr val="lt1"/>
+      </a:solidFill>
+      <a:ln>
+        <a:solidFill>
+          <a:schemeClr val="dk1">
+            <a:lumMod val="25000"/>
+            <a:lumOff val="75000"/>
+          </a:schemeClr>
+        </a:solidFill>
+      </a:ln>
+    </cs:spPr>
+    <cs:defRPr sz="900" kern="1200"/>
+    <cs:bodyPr rot="0" spcFirstLastPara="1" vertOverflow="clip" horzOverflow="clip" vert="horz" wrap="square" lIns="36576" tIns="18288" rIns="36576" bIns="18288" anchor="ctr" anchorCtr="1">
+      <a:spAutoFit/>
+    </cs:bodyPr>
+  </cs:dataLabelCallout>
+  <cs:dataPoint>
+    <cs:lnRef idx="0"/>
+    <cs:fillRef idx="1">
+      <cs:styleClr val="auto"/>
+    </cs:fillRef>
+    <cs:effectRef idx="0"/>
+    <cs:fontRef idx="minor">
+      <a:schemeClr val="tx1"/>
+    </cs:fontRef>
+  </cs:dataPoint>
+  <cs:dataPoint3D>
+    <cs:lnRef idx="0"/>
+    <cs:fillRef idx="1">
+      <cs:styleClr val="auto"/>
+    </cs:fillRef>
+    <cs:effectRef idx="0"/>
+    <cs:fontRef idx="minor">
+      <a:schemeClr val="tx1"/>
+    </cs:fontRef>
+  </cs:dataPoint3D>
+  <cs:dataPointLine>
+    <cs:lnRef idx="0">
+      <cs:styleClr val="auto"/>
+    </cs:lnRef>
+    <cs:fillRef idx="1"/>
+    <cs:effectRef idx="0"/>
+    <cs:fontRef idx="minor">
+      <a:schemeClr val="tx1"/>
+    </cs:fontRef>
+    <cs:spPr>
+      <a:ln w="19050" cap="rnd">
+        <a:solidFill>
+          <a:schemeClr val="phClr"/>
+        </a:solidFill>
+        <a:round/>
+      </a:ln>
+    </cs:spPr>
+  </cs:dataPointLine>
+  <cs:dataPointMarker>
+    <cs:lnRef idx="0">
+      <cs:styleClr val="auto"/>
+    </cs:lnRef>
+    <cs:fillRef idx="1">
+      <cs:styleClr val="auto"/>
+    </cs:fillRef>
+    <cs:effectRef idx="0"/>
+    <cs:fontRef idx="minor">
+      <a:schemeClr val="tx1"/>
+    </cs:fontRef>
+    <cs:spPr>
+      <a:ln w="9525">
+        <a:solidFill>
+          <a:schemeClr val="phClr"/>
+        </a:solidFill>
+      </a:ln>
+    </cs:spPr>
+  </cs:dataPointMarker>
+  <cs:dataPointMarkerLayout symbol="circle" size="5"/>
+  <cs:dataPointWireframe>
+    <cs:lnRef idx="0">
+      <cs:styleClr val="auto"/>
+    </cs:lnRef>
+    <cs:fillRef idx="0"/>
+    <cs:effectRef idx="0"/>
+    <cs:fontRef idx="minor">
+      <a:schemeClr val="dk1"/>
+    </cs:fontRef>
+    <cs:spPr>
+      <a:ln w="9525" cap="rnd">
+        <a:solidFill>
+          <a:schemeClr val="phClr"/>
+        </a:solidFill>
+        <a:round/>
+      </a:ln>
+    </cs:spPr>
+  </cs:dataPointWireframe>
+  <cs:dataTable>
+    <cs:lnRef idx="0"/>
+    <cs:fillRef idx="0"/>
+    <cs:effectRef idx="0"/>
+    <cs:fontRef idx="minor">
+      <a:schemeClr val="tx1">
+        <a:lumMod val="65000"/>
+        <a:lumOff val="35000"/>
+      </a:schemeClr>
+    </cs:fontRef>
+    <cs:spPr>
+      <a:noFill/>
+      <a:ln w="9525" cap="flat" cmpd="sng" algn="ctr">
+        <a:solidFill>
+          <a:schemeClr val="tx1">
+            <a:lumMod val="15000"/>
+            <a:lumOff val="85000"/>
+          </a:schemeClr>
+        </a:solidFill>
+        <a:round/>
+      </a:ln>
+    </cs:spPr>
+    <cs:defRPr sz="900" kern="1200"/>
+  </cs:dataTable>
+  <cs:downBar>
+    <cs:lnRef idx="0"/>
+    <cs:fillRef idx="0"/>
+    <cs:effectRef idx="0"/>
+    <cs:fontRef idx="minor">
+      <a:schemeClr val="tx1"/>
+    </cs:fontRef>
+    <cs:spPr>
+      <a:solidFill>
+        <a:schemeClr val="dk1">
+          <a:lumMod val="75000"/>
+          <a:lumOff val="25000"/>
+        </a:schemeClr>
+      </a:solidFill>
+      <a:ln w="9525" cap="flat" cmpd="sng" algn="ctr">
+        <a:solidFill>
+          <a:schemeClr val="tx1">
+            <a:lumMod val="65000"/>
+            <a:lumOff val="35000"/>
+          </a:schemeClr>
+        </a:solidFill>
+        <a:round/>
+      </a:ln>
+    </cs:spPr>
+  </cs:downBar>
+  <cs:dropLine>
+    <cs:lnRef idx="0"/>
+    <cs:fillRef idx="0"/>
+    <cs:effectRef idx="0"/>
+    <cs:fontRef idx="minor">
+      <a:schemeClr val="tx1"/>
+    </cs:fontRef>
+    <cs:spPr>
+      <a:ln w="9525" cap="flat" cmpd="sng" algn="ctr">
+        <a:solidFill>
+          <a:schemeClr val="tx1">
+            <a:lumMod val="35000"/>
+            <a:lumOff val="65000"/>
+          </a:schemeClr>
+        </a:solidFill>
+        <a:round/>
+      </a:ln>
+    </cs:spPr>
+  </cs:dropLine>
+  <cs:errorBar>
+    <cs:lnRef idx="0"/>
+    <cs:fillRef idx="0"/>
+    <cs:effectRef idx="0"/>
+    <cs:fontRef idx="minor">
+      <a:schemeClr val="tx1"/>
+    </cs:fontRef>
+    <cs:spPr>
+      <a:ln w="9525" cap="flat" cmpd="sng" algn="ctr">
+        <a:solidFill>
+          <a:schemeClr val="tx1">
+            <a:lumMod val="65000"/>
+            <a:lumOff val="35000"/>
+          </a:schemeClr>
+        </a:solidFill>
+        <a:round/>
+      </a:ln>
+    </cs:spPr>
+  </cs:errorBar>
+  <cs:floor>
+    <cs:lnRef idx="0"/>
+    <cs:fillRef idx="0"/>
+    <cs:effectRef idx="0"/>
+    <cs:fontRef idx="minor">
+      <a:schemeClr val="tx1"/>
+    </cs:fontRef>
+    <cs:spPr>
+      <a:noFill/>
+      <a:ln>
+        <a:noFill/>
+      </a:ln>
+    </cs:spPr>
+  </cs:floor>
+  <cs:gridlineMajor>
+    <cs:lnRef idx="0"/>
+    <cs:fillRef idx="0"/>
+    <cs:effectRef idx="0"/>
+    <cs:fontRef idx="minor">
+      <a:schemeClr val="tx1"/>
+    </cs:fontRef>
+    <cs:spPr>
+      <a:ln w="9525" cap="flat" cmpd="sng" algn="ctr">
+        <a:solidFill>
+          <a:schemeClr val="tx1">
+            <a:lumMod val="15000"/>
+            <a:lumOff val="85000"/>
+          </a:schemeClr>
+        </a:solidFill>
+        <a:round/>
+      </a:ln>
+    </cs:spPr>
+  </cs:gridlineMajor>
+  <cs:gridlineMinor>
+    <cs:lnRef idx="0"/>
+    <cs:fillRef idx="0"/>
+    <cs:effectRef idx="0"/>
+    <cs:fontRef idx="minor">
+      <a:schemeClr val="tx1"/>
+    </cs:fontRef>
+    <cs:spPr>
+      <a:ln w="9525" cap="flat" cmpd="sng" algn="ctr">
+        <a:solidFill>
+          <a:schemeClr val="tx1">
+            <a:lumMod val="5000"/>
+            <a:lumOff val="95000"/>
+          </a:schemeClr>
+        </a:solidFill>
+        <a:round/>
+      </a:ln>
+    </cs:spPr>
+  </cs:gridlineMinor>
+  <cs:hiLoLine>
+    <cs:lnRef idx="0"/>
+    <cs:fillRef idx="0"/>
+    <cs:effectRef idx="0"/>
+    <cs:fontRef idx="minor">
+      <a:schemeClr val="tx1"/>
+    </cs:fontRef>
+    <cs:spPr>
+      <a:ln w="9525" cap="flat" cmpd="sng" algn="ctr">
+        <a:solidFill>
+          <a:schemeClr val="tx1">
+            <a:lumMod val="50000"/>
+            <a:lumOff val="50000"/>
+          </a:schemeClr>
+        </a:solidFill>
+        <a:round/>
+      </a:ln>
+    </cs:spPr>
+  </cs:hiLoLine>
+  <cs:leaderLine>
+    <cs:lnRef idx="0"/>
+    <cs:fillRef idx="0"/>
+    <cs:effectRef idx="0"/>
+    <cs:fontRef idx="minor">
+      <a:schemeClr val="tx1"/>
+    </cs:fontRef>
+    <cs:spPr>
+      <a:ln w="9525" cap="flat" cmpd="sng" algn="ctr">
+        <a:solidFill>
+          <a:schemeClr val="tx1">
+            <a:lumMod val="35000"/>
+            <a:lumOff val="65000"/>
+          </a:schemeClr>
+        </a:solidFill>
+        <a:round/>
+      </a:ln>
+    </cs:spPr>
+  </cs:leaderLine>
+  <cs:legend>
+    <cs:lnRef idx="0"/>
+    <cs:fillRef idx="0"/>
+    <cs:effectRef idx="0"/>
+    <cs:fontRef idx="minor">
+      <a:schemeClr val="tx1">
+        <a:lumMod val="65000"/>
+        <a:lumOff val="35000"/>
+      </a:schemeClr>
+    </cs:fontRef>
+    <cs:defRPr sz="900" kern="1200"/>
+  </cs:legend>
+  <cs:plotArea mods="allowNoFillOverride allowNoLineOverride">
+    <cs:lnRef idx="0"/>
+    <cs:fillRef idx="0"/>
+    <cs:effectRef idx="0"/>
+    <cs:fontRef idx="minor">
+      <a:schemeClr val="tx1"/>
+    </cs:fontRef>
+  </cs:plotArea>
+  <cs:plotArea3D mods="allowNoFillOverride allowNoLineOverride">
+    <cs:lnRef idx="0"/>
+    <cs:fillRef idx="0"/>
+    <cs:effectRef idx="0"/>
+    <cs:fontRef idx="minor">
+      <a:schemeClr val="tx1"/>
+    </cs:fontRef>
+  </cs:plotArea3D>
+  <cs:seriesAxis>
+    <cs:lnRef idx="0"/>
+    <cs:fillRef idx="0"/>
+    <cs:effectRef idx="0"/>
+    <cs:fontRef idx="minor">
+      <a:schemeClr val="tx1">
+        <a:lumMod val="65000"/>
+        <a:lumOff val="35000"/>
+      </a:schemeClr>
+    </cs:fontRef>
+    <cs:defRPr sz="900" kern="1200"/>
+  </cs:seriesAxis>
+  <cs:seriesLine>
+    <cs:lnRef idx="0"/>
+    <cs:fillRef idx="0"/>
+    <cs:effectRef idx="0"/>
+    <cs:fontRef idx="minor">
+      <a:schemeClr val="tx1"/>
+    </cs:fontRef>
+    <cs:spPr>
+      <a:ln w="9525" cap="flat" cmpd="sng" algn="ctr">
+        <a:solidFill>
+          <a:schemeClr val="tx1">
+            <a:lumMod val="35000"/>
+            <a:lumOff val="65000"/>
+          </a:schemeClr>
+        </a:solidFill>
+        <a:round/>
+      </a:ln>
+    </cs:spPr>
+  </cs:seriesLine>
+  <cs:title>
+    <cs:lnRef idx="0"/>
+    <cs:fillRef idx="0"/>
+    <cs:effectRef idx="0"/>
+    <cs:fontRef idx="minor">
+      <a:schemeClr val="tx1">
+        <a:lumMod val="65000"/>
+        <a:lumOff val="35000"/>
+      </a:schemeClr>
+    </cs:fontRef>
+    <cs:defRPr sz="1400" b="0" kern="1200" spc="0" baseline="0"/>
+  </cs:title>
+  <cs:trendline>
+    <cs:lnRef idx="0">
+      <cs:styleClr val="auto"/>
+    </cs:lnRef>
+    <cs:fillRef idx="0"/>
+    <cs:effectRef idx="0"/>
+    <cs:fontRef idx="minor">
+      <a:schemeClr val="tx1"/>
+    </cs:fontRef>
+    <cs:spPr>
+      <a:ln w="19050" cap="rnd">
+        <a:solidFill>
+          <a:schemeClr val="phClr"/>
+        </a:solidFill>
+        <a:prstDash val="sysDot"/>
+      </a:ln>
+    </cs:spPr>
+  </cs:trendline>
+  <cs:trendlineLabel>
+    <cs:lnRef idx="0"/>
+    <cs:fillRef idx="0"/>
+    <cs:effectRef idx="0"/>
+    <cs:fontRef idx="minor">
+      <a:schemeClr val="tx1">
+        <a:lumMod val="65000"/>
+        <a:lumOff val="35000"/>
+      </a:schemeClr>
+    </cs:fontRef>
+    <cs:defRPr sz="900" kern="1200"/>
+  </cs:trendlineLabel>
+  <cs:upBar>
+    <cs:lnRef idx="0"/>
+    <cs:fillRef idx="0"/>
+    <cs:effectRef idx="0"/>
+    <cs:fontRef idx="minor">
+      <a:schemeClr val="tx1"/>
+    </cs:fontRef>
+    <cs:spPr>
+      <a:solidFill>
+        <a:schemeClr val="lt1"/>
+      </a:solidFill>
+      <a:ln w="9525" cap="flat" cmpd="sng" algn="ctr">
+        <a:solidFill>
+          <a:schemeClr val="tx1">
+            <a:lumMod val="65000"/>
+            <a:lumOff val="35000"/>
+          </a:schemeClr>
+        </a:solidFill>
+        <a:round/>
+      </a:ln>
+    </cs:spPr>
+  </cs:upBar>
+  <cs:valueAxis>
+    <cs:lnRef idx="0"/>
+    <cs:fillRef idx="0"/>
+    <cs:effectRef idx="0"/>
+    <cs:fontRef idx="minor">
+      <a:schemeClr val="tx1">
+        <a:lumMod val="65000"/>
+        <a:lumOff val="35000"/>
+      </a:schemeClr>
+    </cs:fontRef>
+    <cs:spPr>
+      <a:ln w="9525" cap="flat" cmpd="sng" algn="ctr">
+        <a:solidFill>
+          <a:schemeClr val="tx1">
+            <a:lumMod val="25000"/>
+            <a:lumOff val="75000"/>
+          </a:schemeClr>
+        </a:solidFill>
+        <a:round/>
+      </a:ln>
+    </cs:spPr>
+    <cs:defRPr sz="900" kern="1200"/>
+  </cs:valueAxis>
+  <cs:wall>
+    <cs:lnRef idx="0"/>
+    <cs:fillRef idx="0"/>
+    <cs:effectRef idx="0"/>
+    <cs:fontRef idx="minor">
+      <a:schemeClr val="tx1"/>
+    </cs:fontRef>
+    <cs:spPr>
+      <a:noFill/>
+      <a:ln>
+        <a:noFill/>
+      </a:ln>
+    </cs:spPr>
+  </cs:wall>
+</cs:chartStyle>
+</file>
+
 <file path=ppt/slideLayouts/slideLayout1.xml><?xml version="1.0" encoding="utf-8"?>
 <p:sldLayout xmlns:a="http://schemas.openxmlformats.org/drawingml/2006/main" xmlns:r="http://schemas.openxmlformats.org/officeDocument/2006/relationships" xmlns:p="http://schemas.openxmlformats.org/presentationml/2006/main" type="title" preserve="1">
   <p:cSld name="Title Slide">
@@ -293,7 +1886,7 @@
           <a:p>
             <a:fld id="{48A87A34-81AB-432B-8DAE-1953F412C126}" type="datetimeFigureOut">
               <a:rPr lang="en-US" smtClean="0"/>
-              <a:t>6/22/2020</a:t>
+              <a:t>6/23/2020</a:t>
             </a:fld>
             <a:endParaRPr lang="en-US" dirty="0"/>
           </a:p>
@@ -608,7 +2201,7 @@
           <a:p>
             <a:fld id="{48A87A34-81AB-432B-8DAE-1953F412C126}" type="datetimeFigureOut">
               <a:rPr lang="en-US" smtClean="0"/>
-              <a:t>6/22/2020</a:t>
+              <a:t>6/23/2020</a:t>
             </a:fld>
             <a:endParaRPr lang="en-US" dirty="0"/>
           </a:p>
@@ -830,7 +2423,7 @@
           <a:p>
             <a:fld id="{48A87A34-81AB-432B-8DAE-1953F412C126}" type="datetimeFigureOut">
               <a:rPr lang="en-US" smtClean="0"/>
-              <a:t>6/22/2020</a:t>
+              <a:t>6/23/2020</a:t>
             </a:fld>
             <a:endParaRPr lang="en-US" dirty="0"/>
           </a:p>
@@ -1121,7 +2714,7 @@
           <a:p>
             <a:fld id="{48A87A34-81AB-432B-8DAE-1953F412C126}" type="datetimeFigureOut">
               <a:rPr lang="en-US" smtClean="0"/>
-              <a:t>6/22/2020</a:t>
+              <a:t>6/23/2020</a:t>
             </a:fld>
             <a:endParaRPr lang="en-US" dirty="0"/>
           </a:p>
@@ -1575,7 +3168,7 @@
           <a:p>
             <a:fld id="{48A87A34-81AB-432B-8DAE-1953F412C126}" type="datetimeFigureOut">
               <a:rPr lang="en-US" smtClean="0"/>
-              <a:t>6/22/2020</a:t>
+              <a:t>6/23/2020</a:t>
             </a:fld>
             <a:endParaRPr lang="en-US" dirty="0"/>
           </a:p>
@@ -2151,7 +3744,7 @@
           <a:p>
             <a:fld id="{48A87A34-81AB-432B-8DAE-1953F412C126}" type="datetimeFigureOut">
               <a:rPr lang="en-US" smtClean="0"/>
-              <a:t>6/22/2020</a:t>
+              <a:t>6/23/2020</a:t>
             </a:fld>
             <a:endParaRPr lang="en-US" dirty="0"/>
           </a:p>
@@ -3012,7 +4605,7 @@
           <a:p>
             <a:fld id="{48A87A34-81AB-432B-8DAE-1953F412C126}" type="datetimeFigureOut">
               <a:rPr lang="en-US" smtClean="0"/>
-              <a:t>6/22/2020</a:t>
+              <a:t>6/23/2020</a:t>
             </a:fld>
             <a:endParaRPr lang="en-US" dirty="0"/>
           </a:p>
@@ -3217,7 +4810,7 @@
           <a:p>
             <a:fld id="{48A87A34-81AB-432B-8DAE-1953F412C126}" type="datetimeFigureOut">
               <a:rPr lang="en-US" smtClean="0"/>
-              <a:t>6/22/2020</a:t>
+              <a:t>6/23/2020</a:t>
             </a:fld>
             <a:endParaRPr lang="en-US" dirty="0"/>
           </a:p>
@@ -3431,7 +5024,7 @@
           <a:p>
             <a:fld id="{48A87A34-81AB-432B-8DAE-1953F412C126}" type="datetimeFigureOut">
               <a:rPr lang="en-US" smtClean="0"/>
-              <a:t>6/22/2020</a:t>
+              <a:t>6/23/2020</a:t>
             </a:fld>
             <a:endParaRPr lang="en-US" dirty="0"/>
           </a:p>
@@ -3636,7 +5229,7 @@
           <a:p>
             <a:fld id="{48A87A34-81AB-432B-8DAE-1953F412C126}" type="datetimeFigureOut">
               <a:rPr lang="en-US" smtClean="0"/>
-              <a:t>6/22/2020</a:t>
+              <a:t>6/23/2020</a:t>
             </a:fld>
             <a:endParaRPr lang="en-US" dirty="0"/>
           </a:p>
@@ -3916,7 +5509,7 @@
           <a:p>
             <a:fld id="{48A87A34-81AB-432B-8DAE-1953F412C126}" type="datetimeFigureOut">
               <a:rPr lang="en-US" smtClean="0"/>
-              <a:t>6/22/2020</a:t>
+              <a:t>6/23/2020</a:t>
             </a:fld>
             <a:endParaRPr lang="en-US" dirty="0"/>
           </a:p>
@@ -4183,7 +5776,7 @@
           <a:p>
             <a:fld id="{48A87A34-81AB-432B-8DAE-1953F412C126}" type="datetimeFigureOut">
               <a:rPr lang="en-US" smtClean="0"/>
-              <a:t>6/22/2020</a:t>
+              <a:t>6/23/2020</a:t>
             </a:fld>
             <a:endParaRPr lang="en-US" dirty="0"/>
           </a:p>
@@ -4598,7 +6191,7 @@
           <a:p>
             <a:fld id="{48A87A34-81AB-432B-8DAE-1953F412C126}" type="datetimeFigureOut">
               <a:rPr lang="en-US" smtClean="0"/>
-              <a:t>6/22/2020</a:t>
+              <a:t>6/23/2020</a:t>
             </a:fld>
             <a:endParaRPr lang="en-US" dirty="0"/>
           </a:p>
@@ -4746,7 +6339,7 @@
           <a:p>
             <a:fld id="{48A87A34-81AB-432B-8DAE-1953F412C126}" type="datetimeFigureOut">
               <a:rPr lang="en-US" smtClean="0"/>
-              <a:t>6/22/2020</a:t>
+              <a:t>6/23/2020</a:t>
             </a:fld>
             <a:endParaRPr lang="en-US" dirty="0"/>
           </a:p>
@@ -4871,7 +6464,7 @@
           <a:p>
             <a:fld id="{48A87A34-81AB-432B-8DAE-1953F412C126}" type="datetimeFigureOut">
               <a:rPr lang="en-US" smtClean="0"/>
-              <a:t>6/22/2020</a:t>
+              <a:t>6/23/2020</a:t>
             </a:fld>
             <a:endParaRPr lang="en-US" dirty="0"/>
           </a:p>
@@ -5150,7 +6743,7 @@
           <a:p>
             <a:fld id="{48A87A34-81AB-432B-8DAE-1953F412C126}" type="datetimeFigureOut">
               <a:rPr lang="en-US" smtClean="0"/>
-              <a:t>6/22/2020</a:t>
+              <a:t>6/23/2020</a:t>
             </a:fld>
             <a:endParaRPr lang="en-US" dirty="0"/>
           </a:p>
@@ -5465,7 +7058,7 @@
           <a:p>
             <a:fld id="{48A87A34-81AB-432B-8DAE-1953F412C126}" type="datetimeFigureOut">
               <a:rPr lang="en-US" smtClean="0"/>
-              <a:t>6/22/2020</a:t>
+              <a:t>6/23/2020</a:t>
             </a:fld>
             <a:endParaRPr lang="en-US" dirty="0"/>
           </a:p>
@@ -5719,7 +7312,7 @@
             <a:fld id="{48A87A34-81AB-432B-8DAE-1953F412C126}" type="datetimeFigureOut">
               <a:rPr lang="en-US" smtClean="0"/>
               <a:pPr/>
-              <a:t>6/22/2020</a:t>
+              <a:t>6/23/2020</a:t>
             </a:fld>
             <a:endParaRPr lang="en-US" dirty="0"/>
           </a:p>
@@ -6575,8 +8168,10 @@
       </p:sp>
       <p:pic>
         <p:nvPicPr>
-          <p:cNvPr id="5" name="Picture 4"/>
-          <p:cNvPicPr/>
+          <p:cNvPr id="2" name="Picture 1"/>
+          <p:cNvPicPr>
+            <a:picLocks noChangeAspect="1"/>
+          </p:cNvPicPr>
           <p:nvPr/>
         </p:nvPicPr>
         <p:blipFill>
@@ -6586,7 +8181,7 @@
                 <a14:imgProps xmlns:a14="http://schemas.microsoft.com/office/drawing/2010/main">
                   <a14:imgLayer r:embed="rId3">
                     <a14:imgEffect>
-                      <a14:sharpenSoften amount="50000"/>
+                      <a14:sharpenSoften amount="25000"/>
                     </a14:imgEffect>
                   </a14:imgLayer>
                 </a14:imgProps>
@@ -6602,8 +8197,8 @@
         </p:blipFill>
         <p:spPr>
           <a:xfrm>
-            <a:off x="2520332" y="2974019"/>
-            <a:ext cx="7079689" cy="3766342"/>
+            <a:off x="2486274" y="2968846"/>
+            <a:ext cx="6955482" cy="3796778"/>
           </a:xfrm>
           <a:prstGeom prst="rect">
             <a:avLst/>
@@ -6618,7 +8213,7 @@
         </p:nvSpPr>
         <p:spPr>
           <a:xfrm>
-            <a:off x="2672672" y="5228949"/>
+            <a:off x="2486274" y="5457089"/>
             <a:ext cx="4021091" cy="287710"/>
           </a:xfrm>
           <a:prstGeom prst="ellipse">
@@ -6670,13 +8265,13 @@
   <p:clrMapOvr>
     <a:masterClrMapping/>
   </p:clrMapOvr>
-  <mc:AlternateContent xmlns:mc="http://schemas.openxmlformats.org/markup-compatibility/2006">
-    <mc:Choice xmlns:p14="http://schemas.microsoft.com/office/powerpoint/2010/main" Requires="p14">
+  <mc:AlternateContent xmlns:mc="http://schemas.openxmlformats.org/markup-compatibility/2006" xmlns:p14="http://schemas.microsoft.com/office/powerpoint/2010/main">
+    <mc:Choice Requires="p14">
       <p:transition spd="med" p14:dur="700">
         <p:fade/>
       </p:transition>
     </mc:Choice>
-    <mc:Fallback>
+    <mc:Fallback xmlns="">
       <p:transition spd="med">
         <p:fade/>
       </p:transition>
@@ -6948,7 +8543,7 @@
                                           </p:stCondLst>
                                         </p:cTn>
                                         <p:tgtEl>
-                                          <p:spTgt spid="5"/>
+                                          <p:spTgt spid="2"/>
                                         </p:tgtEl>
                                         <p:attrNameLst>
                                           <p:attrName>style.visibility</p:attrName>
@@ -6962,7 +8557,7 @@
                                       <p:cBhvr>
                                         <p:cTn id="27" dur="500"/>
                                         <p:tgtEl>
-                                          <p:spTgt spid="5"/>
+                                          <p:spTgt spid="2"/>
                                         </p:tgtEl>
                                       </p:cBhvr>
                                     </p:animEffect>
@@ -6988,7 +8583,7 @@
                             </p:stCondLst>
                             <p:childTnLst>
                               <p:par>
-                                <p:cTn id="30" presetID="42" presetClass="entr" presetSubtype="0" fill="hold" grpId="0" nodeType="clickEffect">
+                                <p:cTn id="30" presetID="10" presetClass="entr" presetSubtype="0" fill="hold" grpId="0" nodeType="clickEffect">
                                   <p:stCondLst>
                                     <p:cond delay="0"/>
                                   </p:stCondLst>
@@ -7013,58 +8608,12 @@
                                     </p:set>
                                     <p:animEffect transition="in" filter="fade">
                                       <p:cBhvr>
-                                        <p:cTn id="32" dur="1000"/>
+                                        <p:cTn id="32" dur="500"/>
                                         <p:tgtEl>
                                           <p:spTgt spid="6"/>
                                         </p:tgtEl>
                                       </p:cBhvr>
                                     </p:animEffect>
-                                    <p:anim calcmode="lin" valueType="num">
-                                      <p:cBhvr>
-                                        <p:cTn id="33" dur="1000" fill="hold"/>
-                                        <p:tgtEl>
-                                          <p:spTgt spid="6"/>
-                                        </p:tgtEl>
-                                        <p:attrNameLst>
-                                          <p:attrName>ppt_x</p:attrName>
-                                        </p:attrNameLst>
-                                      </p:cBhvr>
-                                      <p:tavLst>
-                                        <p:tav tm="0">
-                                          <p:val>
-                                            <p:strVal val="#ppt_x"/>
-                                          </p:val>
-                                        </p:tav>
-                                        <p:tav tm="100000">
-                                          <p:val>
-                                            <p:strVal val="#ppt_x"/>
-                                          </p:val>
-                                        </p:tav>
-                                      </p:tavLst>
-                                    </p:anim>
-                                    <p:anim calcmode="lin" valueType="num">
-                                      <p:cBhvr>
-                                        <p:cTn id="34" dur="1000" fill="hold"/>
-                                        <p:tgtEl>
-                                          <p:spTgt spid="6"/>
-                                        </p:tgtEl>
-                                        <p:attrNameLst>
-                                          <p:attrName>ppt_y</p:attrName>
-                                        </p:attrNameLst>
-                                      </p:cBhvr>
-                                      <p:tavLst>
-                                        <p:tav tm="0">
-                                          <p:val>
-                                            <p:strVal val="#ppt_y+.1"/>
-                                          </p:val>
-                                        </p:tav>
-                                        <p:tav tm="100000">
-                                          <p:val>
-                                            <p:strVal val="#ppt_y"/>
-                                          </p:val>
-                                        </p:tav>
-                                      </p:tavLst>
-                                    </p:anim>
                                   </p:childTnLst>
                                 </p:cTn>
                               </p:par>
@@ -7105,6 +8654,526 @@
 </file>
 
 <file path=ppt/slides/slide11.xml><?xml version="1.0" encoding="utf-8"?>
+<p:sld xmlns:a="http://schemas.openxmlformats.org/drawingml/2006/main" xmlns:r="http://schemas.openxmlformats.org/officeDocument/2006/relationships" xmlns:p="http://schemas.openxmlformats.org/presentationml/2006/main">
+  <p:cSld>
+    <p:spTree>
+      <p:nvGrpSpPr>
+        <p:cNvPr id="1" name=""/>
+        <p:cNvGrpSpPr/>
+        <p:nvPr/>
+      </p:nvGrpSpPr>
+      <p:grpSpPr>
+        <a:xfrm>
+          <a:off x="0" y="0"/>
+          <a:ext cx="0" cy="0"/>
+          <a:chOff x="0" y="0"/>
+          <a:chExt cx="0" cy="0"/>
+        </a:xfrm>
+      </p:grpSpPr>
+      <p:sp>
+        <p:nvSpPr>
+          <p:cNvPr id="3" name="Content Placeholder 2"/>
+          <p:cNvSpPr>
+            <a:spLocks noGrp="1"/>
+          </p:cNvSpPr>
+          <p:nvPr>
+            <p:ph sz="quarter" idx="13"/>
+          </p:nvPr>
+        </p:nvSpPr>
+        <p:spPr/>
+        <p:txBody>
+          <a:bodyPr>
+            <a:normAutofit/>
+          </a:bodyPr>
+          <a:lstStyle/>
+          <a:p>
+            <a:r>
+              <a:rPr lang="en-US" dirty="0" smtClean="0"/>
+              <a:t>Using IWD algorithm to solve complex optimization problems like TSP, n-Queen’s puzzle, Knapsack problem</a:t>
+            </a:r>
+          </a:p>
+          <a:p>
+            <a:r>
+              <a:rPr lang="en-US" dirty="0"/>
+              <a:t>Mechanical Engineering Department, National </a:t>
+            </a:r>
+            <a:r>
+              <a:rPr lang="en-US" dirty="0" smtClean="0"/>
+              <a:t>University of </a:t>
+            </a:r>
+            <a:r>
+              <a:rPr lang="en-US" dirty="0"/>
+              <a:t>Singapore </a:t>
+            </a:r>
+            <a:r>
+              <a:rPr lang="en-US" dirty="0" smtClean="0"/>
+              <a:t>is working </a:t>
+            </a:r>
+            <a:r>
+              <a:rPr lang="en-US" dirty="0"/>
+              <a:t>on Improved Intelligent Water Drops Optimization for Single and Multiple Objective Job Shop </a:t>
+            </a:r>
+            <a:r>
+              <a:rPr lang="en-US" dirty="0" smtClean="0"/>
+              <a:t>Scheduling (</a:t>
+            </a:r>
+            <a:r>
+              <a:rPr lang="en-US" dirty="0" smtClean="0">
+                <a:hlinkClick r:id="rId2"/>
+              </a:rPr>
+              <a:t>Link)</a:t>
+            </a:r>
+          </a:p>
+          <a:p>
+            <a:r>
+              <a:rPr lang="en-US" dirty="0" smtClean="0">
+                <a:effectLst/>
+              </a:rPr>
+              <a:t>Using IWD as a Intelligent Autonomous Force Deployment</a:t>
+            </a:r>
+          </a:p>
+          <a:p>
+            <a:r>
+              <a:rPr lang="en-US" dirty="0" smtClean="0">
+                <a:effectLst/>
+              </a:rPr>
+              <a:t>Using IWD Algorithm for reservoir operations by </a:t>
+            </a:r>
+            <a:r>
+              <a:rPr lang="it-IT" dirty="0">
+                <a:effectLst/>
+              </a:rPr>
+              <a:t>A. B. </a:t>
+            </a:r>
+            <a:r>
+              <a:rPr lang="it-IT" dirty="0" smtClean="0">
+                <a:effectLst/>
+              </a:rPr>
+              <a:t>Dariane &amp; </a:t>
+            </a:r>
+            <a:r>
+              <a:rPr lang="it-IT" dirty="0">
+                <a:effectLst/>
+              </a:rPr>
+              <a:t>S. Sarani </a:t>
+            </a:r>
+            <a:r>
+              <a:rPr lang="it-IT" dirty="0" smtClean="0">
+                <a:effectLst/>
+                <a:hlinkClick r:id="rId3"/>
+              </a:rPr>
+              <a:t>(Link)</a:t>
+            </a:r>
+            <a:endParaRPr lang="en-US" dirty="0">
+              <a:effectLst/>
+            </a:endParaRPr>
+          </a:p>
+        </p:txBody>
+      </p:sp>
+      <p:sp>
+        <p:nvSpPr>
+          <p:cNvPr id="4" name="Title 3"/>
+          <p:cNvSpPr>
+            <a:spLocks noGrp="1"/>
+          </p:cNvSpPr>
+          <p:nvPr>
+            <p:ph type="title"/>
+          </p:nvPr>
+        </p:nvSpPr>
+        <p:spPr>
+          <a:xfrm>
+            <a:off x="2078532" y="1038040"/>
+            <a:ext cx="8034957" cy="757130"/>
+          </a:xfrm>
+          <a:prstGeom prst="rect">
+            <a:avLst/>
+          </a:prstGeom>
+          <a:solidFill>
+            <a:schemeClr val="tx1"/>
+          </a:solidFill>
+        </p:spPr>
+        <p:txBody>
+          <a:bodyPr wrap="none" lIns="91440" tIns="45720" rIns="91440" bIns="45720">
+            <a:spAutoFit/>
+          </a:bodyPr>
+          <a:lstStyle/>
+          <a:p>
+            <a:pPr algn="ctr"/>
+            <a:r>
+              <a:rPr lang="en-US" sz="4800" b="1" dirty="0" smtClean="0">
+                <a:ln w="9525">
+                  <a:solidFill>
+                    <a:schemeClr val="bg1"/>
+                  </a:solidFill>
+                  <a:prstDash val="solid"/>
+                </a:ln>
+                <a:solidFill>
+                  <a:schemeClr val="bg1"/>
+                </a:solidFill>
+                <a:effectLst/>
+              </a:rPr>
+              <a:t>Current work being done</a:t>
+            </a:r>
+            <a:endParaRPr lang="en-US" sz="4800" b="1" cap="none" spc="0" dirty="0">
+              <a:ln w="9525">
+                <a:solidFill>
+                  <a:schemeClr val="bg1"/>
+                </a:solidFill>
+                <a:prstDash val="solid"/>
+              </a:ln>
+              <a:solidFill>
+                <a:schemeClr val="bg1"/>
+              </a:solidFill>
+              <a:effectLst/>
+            </a:endParaRPr>
+          </a:p>
+        </p:txBody>
+      </p:sp>
+    </p:spTree>
+    <p:extLst>
+      <p:ext uri="{BB962C8B-B14F-4D97-AF65-F5344CB8AC3E}">
+        <p14:creationId xmlns:p14="http://schemas.microsoft.com/office/powerpoint/2010/main" val="2864568857"/>
+      </p:ext>
+    </p:extLst>
+  </p:cSld>
+  <p:clrMapOvr>
+    <a:masterClrMapping/>
+  </p:clrMapOvr>
+  <p:timing>
+    <p:tnLst>
+      <p:par>
+        <p:cTn id="1" dur="indefinite" restart="never" nodeType="tmRoot">
+          <p:childTnLst>
+            <p:seq concurrent="1" nextAc="seek">
+              <p:cTn id="2" dur="indefinite" nodeType="mainSeq">
+                <p:childTnLst>
+                  <p:par>
+                    <p:cTn id="3" fill="hold">
+                      <p:stCondLst>
+                        <p:cond delay="indefinite"/>
+                      </p:stCondLst>
+                      <p:childTnLst>
+                        <p:par>
+                          <p:cTn id="4" fill="hold">
+                            <p:stCondLst>
+                              <p:cond delay="0"/>
+                            </p:stCondLst>
+                            <p:childTnLst>
+                              <p:par>
+                                <p:cTn id="5" presetID="10" presetClass="entr" presetSubtype="0" fill="hold" grpId="0" nodeType="clickEffect">
+                                  <p:stCondLst>
+                                    <p:cond delay="0"/>
+                                  </p:stCondLst>
+                                  <p:childTnLst>
+                                    <p:set>
+                                      <p:cBhvr>
+                                        <p:cTn id="6" dur="1" fill="hold">
+                                          <p:stCondLst>
+                                            <p:cond delay="0"/>
+                                          </p:stCondLst>
+                                        </p:cTn>
+                                        <p:tgtEl>
+                                          <p:spTgt spid="4"/>
+                                        </p:tgtEl>
+                                        <p:attrNameLst>
+                                          <p:attrName>style.visibility</p:attrName>
+                                        </p:attrNameLst>
+                                      </p:cBhvr>
+                                      <p:to>
+                                        <p:strVal val="visible"/>
+                                      </p:to>
+                                    </p:set>
+                                    <p:animEffect transition="in" filter="fade">
+                                      <p:cBhvr>
+                                        <p:cTn id="7" dur="500"/>
+                                        <p:tgtEl>
+                                          <p:spTgt spid="4"/>
+                                        </p:tgtEl>
+                                      </p:cBhvr>
+                                    </p:animEffect>
+                                  </p:childTnLst>
+                                </p:cTn>
+                              </p:par>
+                            </p:childTnLst>
+                          </p:cTn>
+                        </p:par>
+                      </p:childTnLst>
+                    </p:cTn>
+                  </p:par>
+                  <p:par>
+                    <p:cTn id="8" fill="hold">
+                      <p:stCondLst>
+                        <p:cond delay="indefinite"/>
+                      </p:stCondLst>
+                      <p:childTnLst>
+                        <p:par>
+                          <p:cTn id="9" fill="hold">
+                            <p:stCondLst>
+                              <p:cond delay="0"/>
+                            </p:stCondLst>
+                            <p:childTnLst>
+                              <p:par>
+                                <p:cTn id="10" presetID="10" presetClass="entr" presetSubtype="0" fill="hold" grpId="0" nodeType="clickEffect">
+                                  <p:stCondLst>
+                                    <p:cond delay="0"/>
+                                  </p:stCondLst>
+                                  <p:childTnLst>
+                                    <p:set>
+                                      <p:cBhvr>
+                                        <p:cTn id="11" dur="1" fill="hold">
+                                          <p:stCondLst>
+                                            <p:cond delay="0"/>
+                                          </p:stCondLst>
+                                        </p:cTn>
+                                        <p:tgtEl>
+                                          <p:spTgt spid="3">
+                                            <p:txEl>
+                                              <p:pRg st="0" end="0"/>
+                                            </p:txEl>
+                                          </p:spTgt>
+                                        </p:tgtEl>
+                                        <p:attrNameLst>
+                                          <p:attrName>style.visibility</p:attrName>
+                                        </p:attrNameLst>
+                                      </p:cBhvr>
+                                      <p:to>
+                                        <p:strVal val="visible"/>
+                                      </p:to>
+                                    </p:set>
+                                    <p:animEffect transition="in" filter="fade">
+                                      <p:cBhvr>
+                                        <p:cTn id="12" dur="500"/>
+                                        <p:tgtEl>
+                                          <p:spTgt spid="3">
+                                            <p:txEl>
+                                              <p:pRg st="0" end="0"/>
+                                            </p:txEl>
+                                          </p:spTgt>
+                                        </p:tgtEl>
+                                      </p:cBhvr>
+                                    </p:animEffect>
+                                  </p:childTnLst>
+                                </p:cTn>
+                              </p:par>
+                            </p:childTnLst>
+                          </p:cTn>
+                        </p:par>
+                      </p:childTnLst>
+                    </p:cTn>
+                  </p:par>
+                  <p:par>
+                    <p:cTn id="13" fill="hold">
+                      <p:stCondLst>
+                        <p:cond delay="indefinite"/>
+                      </p:stCondLst>
+                      <p:childTnLst>
+                        <p:par>
+                          <p:cTn id="14" fill="hold">
+                            <p:stCondLst>
+                              <p:cond delay="0"/>
+                            </p:stCondLst>
+                            <p:childTnLst>
+                              <p:par>
+                                <p:cTn id="15" presetID="10" presetClass="entr" presetSubtype="0" fill="hold" grpId="0" nodeType="clickEffect">
+                                  <p:stCondLst>
+                                    <p:cond delay="0"/>
+                                  </p:stCondLst>
+                                  <p:childTnLst>
+                                    <p:set>
+                                      <p:cBhvr>
+                                        <p:cTn id="16" dur="1" fill="hold">
+                                          <p:stCondLst>
+                                            <p:cond delay="0"/>
+                                          </p:stCondLst>
+                                        </p:cTn>
+                                        <p:tgtEl>
+                                          <p:spTgt spid="3">
+                                            <p:txEl>
+                                              <p:pRg st="1" end="1"/>
+                                            </p:txEl>
+                                          </p:spTgt>
+                                        </p:tgtEl>
+                                        <p:attrNameLst>
+                                          <p:attrName>style.visibility</p:attrName>
+                                        </p:attrNameLst>
+                                      </p:cBhvr>
+                                      <p:to>
+                                        <p:strVal val="visible"/>
+                                      </p:to>
+                                    </p:set>
+                                    <p:animEffect transition="in" filter="fade">
+                                      <p:cBhvr>
+                                        <p:cTn id="17" dur="500"/>
+                                        <p:tgtEl>
+                                          <p:spTgt spid="3">
+                                            <p:txEl>
+                                              <p:pRg st="1" end="1"/>
+                                            </p:txEl>
+                                          </p:spTgt>
+                                        </p:tgtEl>
+                                      </p:cBhvr>
+                                    </p:animEffect>
+                                  </p:childTnLst>
+                                </p:cTn>
+                              </p:par>
+                            </p:childTnLst>
+                          </p:cTn>
+                        </p:par>
+                      </p:childTnLst>
+                    </p:cTn>
+                  </p:par>
+                  <p:par>
+                    <p:cTn id="18" fill="hold">
+                      <p:stCondLst>
+                        <p:cond delay="indefinite"/>
+                      </p:stCondLst>
+                      <p:childTnLst>
+                        <p:par>
+                          <p:cTn id="19" fill="hold">
+                            <p:stCondLst>
+                              <p:cond delay="0"/>
+                            </p:stCondLst>
+                            <p:childTnLst>
+                              <p:par>
+                                <p:cTn id="20" presetID="10" presetClass="entr" presetSubtype="0" fill="hold" grpId="0" nodeType="clickEffect">
+                                  <p:stCondLst>
+                                    <p:cond delay="0"/>
+                                  </p:stCondLst>
+                                  <p:childTnLst>
+                                    <p:set>
+                                      <p:cBhvr>
+                                        <p:cTn id="21" dur="1" fill="hold">
+                                          <p:stCondLst>
+                                            <p:cond delay="0"/>
+                                          </p:stCondLst>
+                                        </p:cTn>
+                                        <p:tgtEl>
+                                          <p:spTgt spid="3">
+                                            <p:txEl>
+                                              <p:pRg st="2" end="2"/>
+                                            </p:txEl>
+                                          </p:spTgt>
+                                        </p:tgtEl>
+                                        <p:attrNameLst>
+                                          <p:attrName>style.visibility</p:attrName>
+                                        </p:attrNameLst>
+                                      </p:cBhvr>
+                                      <p:to>
+                                        <p:strVal val="visible"/>
+                                      </p:to>
+                                    </p:set>
+                                    <p:animEffect transition="in" filter="fade">
+                                      <p:cBhvr>
+                                        <p:cTn id="22" dur="500"/>
+                                        <p:tgtEl>
+                                          <p:spTgt spid="3">
+                                            <p:txEl>
+                                              <p:pRg st="2" end="2"/>
+                                            </p:txEl>
+                                          </p:spTgt>
+                                        </p:tgtEl>
+                                      </p:cBhvr>
+                                    </p:animEffect>
+                                  </p:childTnLst>
+                                </p:cTn>
+                              </p:par>
+                            </p:childTnLst>
+                          </p:cTn>
+                        </p:par>
+                      </p:childTnLst>
+                    </p:cTn>
+                  </p:par>
+                  <p:par>
+                    <p:cTn id="23" fill="hold">
+                      <p:stCondLst>
+                        <p:cond delay="indefinite"/>
+                      </p:stCondLst>
+                      <p:childTnLst>
+                        <p:par>
+                          <p:cTn id="24" fill="hold">
+                            <p:stCondLst>
+                              <p:cond delay="0"/>
+                            </p:stCondLst>
+                            <p:childTnLst>
+                              <p:par>
+                                <p:cTn id="25" presetID="10" presetClass="entr" presetSubtype="0" fill="hold" grpId="0" nodeType="clickEffect">
+                                  <p:stCondLst>
+                                    <p:cond delay="0"/>
+                                  </p:stCondLst>
+                                  <p:childTnLst>
+                                    <p:set>
+                                      <p:cBhvr>
+                                        <p:cTn id="26" dur="1" fill="hold">
+                                          <p:stCondLst>
+                                            <p:cond delay="0"/>
+                                          </p:stCondLst>
+                                        </p:cTn>
+                                        <p:tgtEl>
+                                          <p:spTgt spid="3">
+                                            <p:txEl>
+                                              <p:pRg st="3" end="3"/>
+                                            </p:txEl>
+                                          </p:spTgt>
+                                        </p:tgtEl>
+                                        <p:attrNameLst>
+                                          <p:attrName>style.visibility</p:attrName>
+                                        </p:attrNameLst>
+                                      </p:cBhvr>
+                                      <p:to>
+                                        <p:strVal val="visible"/>
+                                      </p:to>
+                                    </p:set>
+                                    <p:animEffect transition="in" filter="fade">
+                                      <p:cBhvr>
+                                        <p:cTn id="27" dur="500"/>
+                                        <p:tgtEl>
+                                          <p:spTgt spid="3">
+                                            <p:txEl>
+                                              <p:pRg st="3" end="3"/>
+                                            </p:txEl>
+                                          </p:spTgt>
+                                        </p:tgtEl>
+                                      </p:cBhvr>
+                                    </p:animEffect>
+                                  </p:childTnLst>
+                                </p:cTn>
+                              </p:par>
+                            </p:childTnLst>
+                          </p:cTn>
+                        </p:par>
+                      </p:childTnLst>
+                    </p:cTn>
+                  </p:par>
+                </p:childTnLst>
+              </p:cTn>
+              <p:prevCondLst>
+                <p:cond evt="onPrev" delay="0">
+                  <p:tgtEl>
+                    <p:sldTgt/>
+                  </p:tgtEl>
+                </p:cond>
+              </p:prevCondLst>
+              <p:nextCondLst>
+                <p:cond evt="onNext" delay="0">
+                  <p:tgtEl>
+                    <p:sldTgt/>
+                  </p:tgtEl>
+                </p:cond>
+              </p:nextCondLst>
+            </p:seq>
+          </p:childTnLst>
+        </p:cTn>
+      </p:par>
+    </p:tnLst>
+    <p:bldLst>
+      <p:bldP spid="3" grpId="0" build="p"/>
+      <p:bldP spid="4" grpId="0" animBg="1"/>
+    </p:bldLst>
+  </p:timing>
+</p:sld>
+</file>
+
+<file path=ppt/slides/slide12.xml><?xml version="1.0" encoding="utf-8"?>
 <p:sld xmlns:a="http://schemas.openxmlformats.org/drawingml/2006/main" xmlns:r="http://schemas.openxmlformats.org/officeDocument/2006/relationships" xmlns:p="http://schemas.openxmlformats.org/presentationml/2006/main">
   <p:cSld>
     <p:spTree>
@@ -8185,11 +10254,11 @@
   <p:clrMapOvr>
     <a:masterClrMapping/>
   </p:clrMapOvr>
-  <mc:AlternateContent xmlns:mc="http://schemas.openxmlformats.org/markup-compatibility/2006">
-    <mc:Choice xmlns:p14="http://schemas.microsoft.com/office/powerpoint/2010/main" Requires="p14">
+  <mc:AlternateContent xmlns:mc="http://schemas.openxmlformats.org/markup-compatibility/2006" xmlns:p14="http://schemas.microsoft.com/office/powerpoint/2010/main">
+    <mc:Choice Requires="p14">
       <p:transition p14:dur="0"/>
     </mc:Choice>
-    <mc:Fallback>
+    <mc:Fallback xmlns="">
       <p:transition/>
     </mc:Fallback>
   </mc:AlternateContent>
@@ -8479,13 +10548,13 @@
   <p:clrMapOvr>
     <a:masterClrMapping/>
   </p:clrMapOvr>
-  <mc:AlternateContent xmlns:mc="http://schemas.openxmlformats.org/markup-compatibility/2006">
-    <mc:Choice xmlns:p14="http://schemas.microsoft.com/office/powerpoint/2010/main" Requires="p14">
+  <mc:AlternateContent xmlns:mc="http://schemas.openxmlformats.org/markup-compatibility/2006" xmlns:p14="http://schemas.microsoft.com/office/powerpoint/2010/main">
+    <mc:Choice Requires="p14">
       <p:transition spd="med" p14:dur="700">
         <p:fade/>
       </p:transition>
     </mc:Choice>
-    <mc:Fallback>
+    <mc:Fallback xmlns="">
       <p:transition spd="med">
         <p:fade/>
       </p:transition>
@@ -9767,13 +11836,13 @@
   <p:clrMapOvr>
     <a:masterClrMapping/>
   </p:clrMapOvr>
-  <mc:AlternateContent xmlns:mc="http://schemas.openxmlformats.org/markup-compatibility/2006">
-    <mc:Choice xmlns:p14="http://schemas.microsoft.com/office/powerpoint/2010/main" Requires="p14">
+  <mc:AlternateContent xmlns:mc="http://schemas.openxmlformats.org/markup-compatibility/2006" xmlns:p14="http://schemas.microsoft.com/office/powerpoint/2010/main">
+    <mc:Choice Requires="p14">
       <p:transition spd="med" p14:dur="700">
         <p:fade/>
       </p:transition>
     </mc:Choice>
-    <mc:Fallback>
+    <mc:Fallback xmlns="">
       <p:transition spd="med">
         <p:fade/>
       </p:transition>
@@ -11884,13 +13953,13 @@
   <p:clrMapOvr>
     <a:masterClrMapping/>
   </p:clrMapOvr>
-  <mc:AlternateContent xmlns:mc="http://schemas.openxmlformats.org/markup-compatibility/2006">
-    <mc:Choice xmlns:p14="http://schemas.microsoft.com/office/powerpoint/2010/main" Requires="p14">
+  <mc:AlternateContent xmlns:mc="http://schemas.openxmlformats.org/markup-compatibility/2006" xmlns:p14="http://schemas.microsoft.com/office/powerpoint/2010/main">
+    <mc:Choice Requires="p14">
       <p:transition spd="med" p14:dur="700">
         <p:fade/>
       </p:transition>
     </mc:Choice>
-    <mc:Fallback>
+    <mc:Fallback xmlns="">
       <p:transition spd="med">
         <p:fade/>
       </p:transition>
@@ -17197,30 +19266,6 @@
       </p:sp>
       <p:pic>
         <p:nvPicPr>
-          <p:cNvPr id="13" name="Picture 12"/>
-          <p:cNvPicPr>
-            <a:picLocks noChangeAspect="1"/>
-          </p:cNvPicPr>
-          <p:nvPr/>
-        </p:nvPicPr>
-        <p:blipFill>
-          <a:blip r:embed="rId2"/>
-          <a:stretch>
-            <a:fillRect/>
-          </a:stretch>
-        </p:blipFill>
-        <p:spPr>
-          <a:xfrm>
-            <a:off x="5299492" y="235974"/>
-            <a:ext cx="6666367" cy="4601783"/>
-          </a:xfrm>
-          <a:prstGeom prst="rect">
-            <a:avLst/>
-          </a:prstGeom>
-        </p:spPr>
-      </p:pic>
-      <p:pic>
-        <p:nvPicPr>
           <p:cNvPr id="16" name="Picture 15"/>
           <p:cNvPicPr>
             <a:picLocks noChangeAspect="1"/>
@@ -17228,11 +19273,11 @@
           <p:nvPr/>
         </p:nvPicPr>
         <p:blipFill>
-          <a:blip r:embed="rId3">
+          <a:blip r:embed="rId2">
             <a:extLst>
               <a:ext uri="{BEBA8EAE-BF5A-486C-A8C5-ECC9F3942E4B}">
                 <a14:imgProps xmlns:a14="http://schemas.microsoft.com/office/drawing/2010/main">
-                  <a14:imgLayer r:embed="rId4">
+                  <a14:imgLayer r:embed="rId3">
                     <a14:imgEffect>
                       <a14:sharpenSoften amount="50000"/>
                     </a14:imgEffect>
@@ -17264,7 +19309,7 @@
           <p:nvPr/>
         </p:nvPicPr>
         <p:blipFill>
-          <a:blip r:embed="rId5"/>
+          <a:blip r:embed="rId4"/>
           <a:stretch>
             <a:fillRect/>
           </a:stretch>
@@ -17288,7 +19333,7 @@
           <p:nvPr/>
         </p:nvPicPr>
         <p:blipFill>
-          <a:blip r:embed="rId5">
+          <a:blip r:embed="rId4">
             <a:biLevel thresh="75000"/>
           </a:blip>
           <a:stretch>
@@ -17305,6 +19350,30 @@
           </a:prstGeom>
         </p:spPr>
       </p:pic>
+      <p:graphicFrame>
+        <p:nvGraphicFramePr>
+          <p:cNvPr id="9" name="Chart 8"/>
+          <p:cNvGraphicFramePr>
+            <a:graphicFrameLocks/>
+          </p:cNvGraphicFramePr>
+          <p:nvPr>
+            <p:extLst>
+              <p:ext uri="{D42A27DB-BD31-4B8C-83A1-F6EECF244321}">
+                <p14:modId xmlns:p14="http://schemas.microsoft.com/office/powerpoint/2010/main" val="1212725334"/>
+              </p:ext>
+            </p:extLst>
+          </p:nvPr>
+        </p:nvGraphicFramePr>
+        <p:xfrm>
+          <a:off x="5299969" y="233402"/>
+          <a:ext cx="6533965" cy="4213255"/>
+        </p:xfrm>
+        <a:graphic>
+          <a:graphicData uri="http://schemas.openxmlformats.org/drawingml/2006/chart">
+            <c:chart xmlns:c="http://schemas.openxmlformats.org/drawingml/2006/chart" xmlns:r="http://schemas.openxmlformats.org/officeDocument/2006/relationships" r:id="rId5"/>
+          </a:graphicData>
+        </a:graphic>
+      </p:graphicFrame>
     </p:spTree>
     <p:extLst>
       <p:ext uri="{BB962C8B-B14F-4D97-AF65-F5344CB8AC3E}">
@@ -17315,13 +19384,13 @@
   <p:clrMapOvr>
     <a:masterClrMapping/>
   </p:clrMapOvr>
-  <mc:AlternateContent xmlns:mc="http://schemas.openxmlformats.org/markup-compatibility/2006">
-    <mc:Choice xmlns:p14="http://schemas.microsoft.com/office/powerpoint/2010/main" Requires="p14">
+  <mc:AlternateContent xmlns:mc="http://schemas.openxmlformats.org/markup-compatibility/2006" xmlns:p14="http://schemas.microsoft.com/office/powerpoint/2010/main">
+    <mc:Choice Requires="p14">
       <p:transition spd="med" p14:dur="700">
         <p:fade/>
       </p:transition>
     </mc:Choice>
-    <mc:Fallback>
+    <mc:Fallback xmlns="">
       <p:transition spd="med">
         <p:fade/>
       </p:transition>
@@ -17467,7 +19536,7 @@
                                           </p:stCondLst>
                                         </p:cTn>
                                         <p:tgtEl>
-                                          <p:spTgt spid="13"/>
+                                          <p:spTgt spid="16"/>
                                         </p:tgtEl>
                                         <p:attrNameLst>
                                           <p:attrName>style.visibility</p:attrName>
@@ -17481,7 +19550,7 @@
                                       <p:cBhvr>
                                         <p:cTn id="17" dur="500"/>
                                         <p:tgtEl>
-                                          <p:spTgt spid="13"/>
+                                          <p:spTgt spid="16"/>
                                         </p:tgtEl>
                                       </p:cBhvr>
                                     </p:animEffect>
@@ -17507,7 +19576,7 @@
                             </p:stCondLst>
                             <p:childTnLst>
                               <p:par>
-                                <p:cTn id="20" presetID="10" presetClass="entr" presetSubtype="0" fill="hold" nodeType="clickEffect">
+                                <p:cTn id="20" presetID="10" presetClass="entr" presetSubtype="0" fill="hold" grpId="0" nodeType="clickEffect">
                                   <p:stCondLst>
                                     <p:cond delay="0"/>
                                   </p:stCondLst>
@@ -17520,7 +19589,7 @@
                                           </p:stCondLst>
                                         </p:cTn>
                                         <p:tgtEl>
-                                          <p:spTgt spid="16"/>
+                                          <p:spTgt spid="9"/>
                                         </p:tgtEl>
                                         <p:attrNameLst>
                                           <p:attrName>style.visibility</p:attrName>
@@ -17534,7 +19603,60 @@
                                       <p:cBhvr>
                                         <p:cTn id="22" dur="500"/>
                                         <p:tgtEl>
-                                          <p:spTgt spid="16"/>
+                                          <p:spTgt spid="9"/>
+                                        </p:tgtEl>
+                                      </p:cBhvr>
+                                    </p:animEffect>
+                                  </p:childTnLst>
+                                </p:cTn>
+                              </p:par>
+                            </p:childTnLst>
+                          </p:cTn>
+                        </p:par>
+                      </p:childTnLst>
+                    </p:cTn>
+                  </p:par>
+                  <p:par>
+                    <p:cTn id="23" fill="hold">
+                      <p:stCondLst>
+                        <p:cond delay="indefinite"/>
+                      </p:stCondLst>
+                      <p:childTnLst>
+                        <p:par>
+                          <p:cTn id="24" fill="hold">
+                            <p:stCondLst>
+                              <p:cond delay="0"/>
+                            </p:stCondLst>
+                            <p:childTnLst>
+                              <p:par>
+                                <p:cTn id="25" presetID="10" presetClass="entr" presetSubtype="0" fill="hold" nodeType="clickEffect">
+                                  <p:stCondLst>
+                                    <p:cond delay="0"/>
+                                  </p:stCondLst>
+                                  <p:childTnLst>
+                                    <p:set>
+                                      <p:cBhvr>
+                                        <p:cTn id="26" dur="1" fill="hold">
+                                          <p:stCondLst>
+                                            <p:cond delay="0"/>
+                                          </p:stCondLst>
+                                        </p:cTn>
+                                        <p:tgtEl>
+                                          <p:spTgt spid="18"/>
+                                        </p:tgtEl>
+                                        <p:attrNameLst>
+                                          <p:attrName>style.visibility</p:attrName>
+                                        </p:attrNameLst>
+                                      </p:cBhvr>
+                                      <p:to>
+                                        <p:strVal val="visible"/>
+                                      </p:to>
+                                    </p:set>
+                                    <p:animEffect transition="in" filter="fade">
+                                      <p:cBhvr>
+                                        <p:cTn id="27" dur="500"/>
+                                        <p:tgtEl>
+                                          <p:spTgt spid="18"/>
                                         </p:tgtEl>
                                       </p:cBhvr>
                                     </p:animEffect>
@@ -17570,6 +19692,9 @@
     </p:tnLst>
     <p:bldLst>
       <p:bldP spid="4" grpId="0" animBg="1"/>
+      <p:bldGraphic spid="9" grpId="0">
+        <p:bldAsOne/>
+      </p:bldGraphic>
     </p:bldLst>
   </p:timing>
 </p:sld>
@@ -18096,13 +20221,13 @@
   <p:clrMapOvr>
     <a:masterClrMapping/>
   </p:clrMapOvr>
-  <mc:AlternateContent xmlns:mc="http://schemas.openxmlformats.org/markup-compatibility/2006">
-    <mc:Choice xmlns:p14="http://schemas.microsoft.com/office/powerpoint/2010/main" Requires="p14">
+  <mc:AlternateContent xmlns:mc="http://schemas.openxmlformats.org/markup-compatibility/2006" xmlns:p14="http://schemas.microsoft.com/office/powerpoint/2010/main">
+    <mc:Choice Requires="p14">
       <p:transition spd="med" p14:dur="700">
         <p:fade/>
       </p:transition>
     </mc:Choice>
-    <mc:Fallback>
+    <mc:Fallback xmlns="">
       <p:transition spd="med">
         <p:fade/>
       </p:transition>
@@ -18883,4 +21008,256 @@
     </a:ext>
   </a:extLst>
 </a:theme>
+</file>
+
+<file path=ppt/theme/themeOverride1.xml><?xml version="1.0" encoding="utf-8"?>
+<a:themeOverride xmlns:a="http://schemas.openxmlformats.org/drawingml/2006/main">
+  <a:clrScheme name="Office">
+    <a:dk1>
+      <a:sysClr val="windowText" lastClr="000000"/>
+    </a:dk1>
+    <a:lt1>
+      <a:sysClr val="window" lastClr="FFFFFF"/>
+    </a:lt1>
+    <a:dk2>
+      <a:srgbClr val="44546A"/>
+    </a:dk2>
+    <a:lt2>
+      <a:srgbClr val="E7E6E6"/>
+    </a:lt2>
+    <a:accent1>
+      <a:srgbClr val="5B9BD5"/>
+    </a:accent1>
+    <a:accent2>
+      <a:srgbClr val="ED7D31"/>
+    </a:accent2>
+    <a:accent3>
+      <a:srgbClr val="A5A5A5"/>
+    </a:accent3>
+    <a:accent4>
+      <a:srgbClr val="FFC000"/>
+    </a:accent4>
+    <a:accent5>
+      <a:srgbClr val="4472C4"/>
+    </a:accent5>
+    <a:accent6>
+      <a:srgbClr val="70AD47"/>
+    </a:accent6>
+    <a:hlink>
+      <a:srgbClr val="0563C1"/>
+    </a:hlink>
+    <a:folHlink>
+      <a:srgbClr val="954F72"/>
+    </a:folHlink>
+  </a:clrScheme>
+  <a:fontScheme name="Office">
+    <a:majorFont>
+      <a:latin typeface="Calibri Light" panose="020F0302020204030204"/>
+      <a:ea typeface=""/>
+      <a:cs typeface=""/>
+      <a:font script="Jpan" typeface="游ゴシック Light"/>
+      <a:font script="Hang" typeface="맑은 고딕"/>
+      <a:font script="Hans" typeface="等线 Light"/>
+      <a:font script="Hant" typeface="新細明體"/>
+      <a:font script="Arab" typeface="Times New Roman"/>
+      <a:font script="Hebr" typeface="Times New Roman"/>
+      <a:font script="Thai" typeface="Tahoma"/>
+      <a:font script="Ethi" typeface="Nyala"/>
+      <a:font script="Beng" typeface="Vrinda"/>
+      <a:font script="Gujr" typeface="Shruti"/>
+      <a:font script="Khmr" typeface="MoolBoran"/>
+      <a:font script="Knda" typeface="Tunga"/>
+      <a:font script="Guru" typeface="Raavi"/>
+      <a:font script="Cans" typeface="Euphemia"/>
+      <a:font script="Cher" typeface="Plantagenet Cherokee"/>
+      <a:font script="Yiii" typeface="Microsoft Yi Baiti"/>
+      <a:font script="Tibt" typeface="Microsoft Himalaya"/>
+      <a:font script="Thaa" typeface="MV Boli"/>
+      <a:font script="Deva" typeface="Mangal"/>
+      <a:font script="Telu" typeface="Gautami"/>
+      <a:font script="Taml" typeface="Latha"/>
+      <a:font script="Syrc" typeface="Estrangelo Edessa"/>
+      <a:font script="Orya" typeface="Kalinga"/>
+      <a:font script="Mlym" typeface="Kartika"/>
+      <a:font script="Laoo" typeface="DokChampa"/>
+      <a:font script="Sinh" typeface="Iskoola Pota"/>
+      <a:font script="Mong" typeface="Mongolian Baiti"/>
+      <a:font script="Viet" typeface="Times New Roman"/>
+      <a:font script="Uigh" typeface="Microsoft Uighur"/>
+      <a:font script="Geor" typeface="Sylfaen"/>
+    </a:majorFont>
+    <a:minorFont>
+      <a:latin typeface="Calibri" panose="020F0502020204030204"/>
+      <a:ea typeface=""/>
+      <a:cs typeface=""/>
+      <a:font script="Jpan" typeface="游ゴシック"/>
+      <a:font script="Hang" typeface="맑은 고딕"/>
+      <a:font script="Hans" typeface="等线"/>
+      <a:font script="Hant" typeface="新細明體"/>
+      <a:font script="Arab" typeface="Arial"/>
+      <a:font script="Hebr" typeface="Arial"/>
+      <a:font script="Thai" typeface="Tahoma"/>
+      <a:font script="Ethi" typeface="Nyala"/>
+      <a:font script="Beng" typeface="Vrinda"/>
+      <a:font script="Gujr" typeface="Shruti"/>
+      <a:font script="Khmr" typeface="DaunPenh"/>
+      <a:font script="Knda" typeface="Tunga"/>
+      <a:font script="Guru" typeface="Raavi"/>
+      <a:font script="Cans" typeface="Euphemia"/>
+      <a:font script="Cher" typeface="Plantagenet Cherokee"/>
+      <a:font script="Yiii" typeface="Microsoft Yi Baiti"/>
+      <a:font script="Tibt" typeface="Microsoft Himalaya"/>
+      <a:font script="Thaa" typeface="MV Boli"/>
+      <a:font script="Deva" typeface="Mangal"/>
+      <a:font script="Telu" typeface="Gautami"/>
+      <a:font script="Taml" typeface="Latha"/>
+      <a:font script="Syrc" typeface="Estrangelo Edessa"/>
+      <a:font script="Orya" typeface="Kalinga"/>
+      <a:font script="Mlym" typeface="Kartika"/>
+      <a:font script="Laoo" typeface="DokChampa"/>
+      <a:font script="Sinh" typeface="Iskoola Pota"/>
+      <a:font script="Mong" typeface="Mongolian Baiti"/>
+      <a:font script="Viet" typeface="Arial"/>
+      <a:font script="Uigh" typeface="Microsoft Uighur"/>
+      <a:font script="Geor" typeface="Sylfaen"/>
+    </a:minorFont>
+  </a:fontScheme>
+  <a:fmtScheme name="Office">
+    <a:fillStyleLst>
+      <a:solidFill>
+        <a:schemeClr val="phClr"/>
+      </a:solidFill>
+      <a:gradFill rotWithShape="1">
+        <a:gsLst>
+          <a:gs pos="0">
+            <a:schemeClr val="phClr">
+              <a:lumMod val="110000"/>
+              <a:satMod val="105000"/>
+              <a:tint val="67000"/>
+            </a:schemeClr>
+          </a:gs>
+          <a:gs pos="50000">
+            <a:schemeClr val="phClr">
+              <a:lumMod val="105000"/>
+              <a:satMod val="103000"/>
+              <a:tint val="73000"/>
+            </a:schemeClr>
+          </a:gs>
+          <a:gs pos="100000">
+            <a:schemeClr val="phClr">
+              <a:lumMod val="105000"/>
+              <a:satMod val="109000"/>
+              <a:tint val="81000"/>
+            </a:schemeClr>
+          </a:gs>
+        </a:gsLst>
+        <a:lin ang="5400000" scaled="0"/>
+      </a:gradFill>
+      <a:gradFill rotWithShape="1">
+        <a:gsLst>
+          <a:gs pos="0">
+            <a:schemeClr val="phClr">
+              <a:satMod val="103000"/>
+              <a:lumMod val="102000"/>
+              <a:tint val="94000"/>
+            </a:schemeClr>
+          </a:gs>
+          <a:gs pos="50000">
+            <a:schemeClr val="phClr">
+              <a:satMod val="110000"/>
+              <a:lumMod val="100000"/>
+              <a:shade val="100000"/>
+            </a:schemeClr>
+          </a:gs>
+          <a:gs pos="100000">
+            <a:schemeClr val="phClr">
+              <a:lumMod val="99000"/>
+              <a:satMod val="120000"/>
+              <a:shade val="78000"/>
+            </a:schemeClr>
+          </a:gs>
+        </a:gsLst>
+        <a:lin ang="5400000" scaled="0"/>
+      </a:gradFill>
+    </a:fillStyleLst>
+    <a:lnStyleLst>
+      <a:ln w="6350" cap="flat" cmpd="sng" algn="ctr">
+        <a:solidFill>
+          <a:schemeClr val="phClr"/>
+        </a:solidFill>
+        <a:prstDash val="solid"/>
+        <a:miter lim="800000"/>
+      </a:ln>
+      <a:ln w="12700" cap="flat" cmpd="sng" algn="ctr">
+        <a:solidFill>
+          <a:schemeClr val="phClr"/>
+        </a:solidFill>
+        <a:prstDash val="solid"/>
+        <a:miter lim="800000"/>
+      </a:ln>
+      <a:ln w="19050" cap="flat" cmpd="sng" algn="ctr">
+        <a:solidFill>
+          <a:schemeClr val="phClr"/>
+        </a:solidFill>
+        <a:prstDash val="solid"/>
+        <a:miter lim="800000"/>
+      </a:ln>
+    </a:lnStyleLst>
+    <a:effectStyleLst>
+      <a:effectStyle>
+        <a:effectLst/>
+      </a:effectStyle>
+      <a:effectStyle>
+        <a:effectLst/>
+      </a:effectStyle>
+      <a:effectStyle>
+        <a:effectLst>
+          <a:outerShdw blurRad="57150" dist="19050" dir="5400000" algn="ctr" rotWithShape="0">
+            <a:srgbClr val="000000">
+              <a:alpha val="63000"/>
+            </a:srgbClr>
+          </a:outerShdw>
+        </a:effectLst>
+      </a:effectStyle>
+    </a:effectStyleLst>
+    <a:bgFillStyleLst>
+      <a:solidFill>
+        <a:schemeClr val="phClr"/>
+      </a:solidFill>
+      <a:solidFill>
+        <a:schemeClr val="phClr">
+          <a:tint val="95000"/>
+          <a:satMod val="170000"/>
+        </a:schemeClr>
+      </a:solidFill>
+      <a:gradFill rotWithShape="1">
+        <a:gsLst>
+          <a:gs pos="0">
+            <a:schemeClr val="phClr">
+              <a:tint val="93000"/>
+              <a:satMod val="150000"/>
+              <a:shade val="98000"/>
+              <a:lumMod val="102000"/>
+            </a:schemeClr>
+          </a:gs>
+          <a:gs pos="50000">
+            <a:schemeClr val="phClr">
+              <a:tint val="98000"/>
+              <a:satMod val="130000"/>
+              <a:shade val="90000"/>
+              <a:lumMod val="103000"/>
+            </a:schemeClr>
+          </a:gs>
+          <a:gs pos="100000">
+            <a:schemeClr val="phClr">
+              <a:shade val="63000"/>
+              <a:satMod val="120000"/>
+            </a:schemeClr>
+          </a:gs>
+        </a:gsLst>
+        <a:lin ang="5400000" scaled="0"/>
+      </a:gradFill>
+    </a:bgFillStyleLst>
+  </a:fmtScheme>
+</a:themeOverride>
 </file>
--- a/Documentation/final demo.pptx
+++ b/Documentation/final demo.pptx
@@ -166,7 +166,7 @@
           </a:p>
           <a:p>
             <a:pPr>
-              <a:defRPr sz="1400">
+              <a:defRPr>
                 <a:solidFill>
                   <a:schemeClr val="bg1"/>
                 </a:solidFill>
@@ -184,7 +184,6 @@
           </a:p>
         </c:rich>
       </c:tx>
-      <c:layout/>
       <c:overlay val="0"/>
       <c:spPr>
         <a:solidFill>
@@ -8782,8 +8781,8 @@
         </p:nvSpPr>
         <p:spPr>
           <a:xfrm>
-            <a:off x="2078532" y="1038040"/>
-            <a:ext cx="8034957" cy="757130"/>
+            <a:off x="341873" y="1038040"/>
+            <a:ext cx="11508279" cy="757130"/>
           </a:xfrm>
           <a:prstGeom prst="rect">
             <a:avLst/>
@@ -8812,7 +8811,22 @@
                 </a:solidFill>
                 <a:effectLst/>
               </a:rPr>
-              <a:t>Current work being done</a:t>
+              <a:t>Current challenges </a:t>
+            </a:r>
+            <a:r>
+              <a:rPr lang="en-US" sz="4800" b="1" smtClean="0">
+                <a:ln w="9525">
+                  <a:solidFill>
+                    <a:schemeClr val="bg1"/>
+                  </a:solidFill>
+                  <a:prstDash val="solid"/>
+                </a:ln>
+                <a:solidFill>
+                  <a:schemeClr val="bg1"/>
+                </a:solidFill>
+                <a:effectLst/>
+              </a:rPr>
+              <a:t>being addressed </a:t>
             </a:r>
             <a:endParaRPr lang="en-US" sz="4800" b="1" cap="none" spc="0" dirty="0">
               <a:ln w="9525">
